--- a/doc/设计原图.pptx
+++ b/doc/设计原图.pptx
@@ -289,7 +289,7 @@
             <a:fld id="{A4FF1AE2-BB2B-4F02-8DFE-7D73438BF55F}" type="datetimeFigureOut">
               <a:rPr lang="zh-CN" altLang="en-US" smtClean="0"/>
               <a:pPr/>
-              <a:t>2019/12/12</a:t>
+              <a:t>2019/12/19</a:t>
             </a:fld>
             <a:endParaRPr lang="zh-CN" altLang="en-US"/>
           </a:p>
@@ -456,7 +456,7 @@
             <a:fld id="{A4FF1AE2-BB2B-4F02-8DFE-7D73438BF55F}" type="datetimeFigureOut">
               <a:rPr lang="zh-CN" altLang="en-US" smtClean="0"/>
               <a:pPr/>
-              <a:t>2019/12/12</a:t>
+              <a:t>2019/12/19</a:t>
             </a:fld>
             <a:endParaRPr lang="zh-CN" altLang="en-US"/>
           </a:p>
@@ -633,7 +633,7 @@
             <a:fld id="{A4FF1AE2-BB2B-4F02-8DFE-7D73438BF55F}" type="datetimeFigureOut">
               <a:rPr lang="zh-CN" altLang="en-US" smtClean="0"/>
               <a:pPr/>
-              <a:t>2019/12/12</a:t>
+              <a:t>2019/12/19</a:t>
             </a:fld>
             <a:endParaRPr lang="zh-CN" altLang="en-US"/>
           </a:p>
@@ -800,7 +800,7 @@
             <a:fld id="{A4FF1AE2-BB2B-4F02-8DFE-7D73438BF55F}" type="datetimeFigureOut">
               <a:rPr lang="zh-CN" altLang="en-US" smtClean="0"/>
               <a:pPr/>
-              <a:t>2019/12/12</a:t>
+              <a:t>2019/12/19</a:t>
             </a:fld>
             <a:endParaRPr lang="zh-CN" altLang="en-US"/>
           </a:p>
@@ -1043,7 +1043,7 @@
             <a:fld id="{A4FF1AE2-BB2B-4F02-8DFE-7D73438BF55F}" type="datetimeFigureOut">
               <a:rPr lang="zh-CN" altLang="en-US" smtClean="0"/>
               <a:pPr/>
-              <a:t>2019/12/12</a:t>
+              <a:t>2019/12/19</a:t>
             </a:fld>
             <a:endParaRPr lang="zh-CN" altLang="en-US"/>
           </a:p>
@@ -1328,7 +1328,7 @@
             <a:fld id="{A4FF1AE2-BB2B-4F02-8DFE-7D73438BF55F}" type="datetimeFigureOut">
               <a:rPr lang="zh-CN" altLang="en-US" smtClean="0"/>
               <a:pPr/>
-              <a:t>2019/12/12</a:t>
+              <a:t>2019/12/19</a:t>
             </a:fld>
             <a:endParaRPr lang="zh-CN" altLang="en-US"/>
           </a:p>
@@ -1747,7 +1747,7 @@
             <a:fld id="{A4FF1AE2-BB2B-4F02-8DFE-7D73438BF55F}" type="datetimeFigureOut">
               <a:rPr lang="zh-CN" altLang="en-US" smtClean="0"/>
               <a:pPr/>
-              <a:t>2019/12/12</a:t>
+              <a:t>2019/12/19</a:t>
             </a:fld>
             <a:endParaRPr lang="zh-CN" altLang="en-US"/>
           </a:p>
@@ -1862,7 +1862,7 @@
             <a:fld id="{A4FF1AE2-BB2B-4F02-8DFE-7D73438BF55F}" type="datetimeFigureOut">
               <a:rPr lang="zh-CN" altLang="en-US" smtClean="0"/>
               <a:pPr/>
-              <a:t>2019/12/12</a:t>
+              <a:t>2019/12/19</a:t>
             </a:fld>
             <a:endParaRPr lang="zh-CN" altLang="en-US"/>
           </a:p>
@@ -1954,7 +1954,7 @@
             <a:fld id="{A4FF1AE2-BB2B-4F02-8DFE-7D73438BF55F}" type="datetimeFigureOut">
               <a:rPr lang="zh-CN" altLang="en-US" smtClean="0"/>
               <a:pPr/>
-              <a:t>2019/12/12</a:t>
+              <a:t>2019/12/19</a:t>
             </a:fld>
             <a:endParaRPr lang="zh-CN" altLang="en-US"/>
           </a:p>
@@ -2228,7 +2228,7 @@
             <a:fld id="{A4FF1AE2-BB2B-4F02-8DFE-7D73438BF55F}" type="datetimeFigureOut">
               <a:rPr lang="zh-CN" altLang="en-US" smtClean="0"/>
               <a:pPr/>
-              <a:t>2019/12/12</a:t>
+              <a:t>2019/12/19</a:t>
             </a:fld>
             <a:endParaRPr lang="zh-CN" altLang="en-US"/>
           </a:p>
@@ -2478,7 +2478,7 @@
             <a:fld id="{A4FF1AE2-BB2B-4F02-8DFE-7D73438BF55F}" type="datetimeFigureOut">
               <a:rPr lang="zh-CN" altLang="en-US" smtClean="0"/>
               <a:pPr/>
-              <a:t>2019/12/12</a:t>
+              <a:t>2019/12/19</a:t>
             </a:fld>
             <a:endParaRPr lang="zh-CN" altLang="en-US"/>
           </a:p>
@@ -2688,7 +2688,7 @@
             <a:fld id="{A4FF1AE2-BB2B-4F02-8DFE-7D73438BF55F}" type="datetimeFigureOut">
               <a:rPr lang="zh-CN" altLang="en-US" smtClean="0"/>
               <a:pPr/>
-              <a:t>2019/12/12</a:t>
+              <a:t>2019/12/19</a:t>
             </a:fld>
             <a:endParaRPr lang="zh-CN" altLang="en-US"/>
           </a:p>
@@ -3061,6 +3061,72 @@
       </p:grpSpPr>
       <p:sp>
         <p:nvSpPr>
+          <p:cNvPr id="25" name="矩形 24"/>
+          <p:cNvSpPr/>
+          <p:nvPr/>
+        </p:nvSpPr>
+        <p:spPr>
+          <a:xfrm>
+            <a:off x="179512" y="1988840"/>
+            <a:ext cx="7416824" cy="1944216"/>
+          </a:xfrm>
+          <a:prstGeom prst="rect">
+            <a:avLst/>
+          </a:prstGeom>
+          <a:solidFill>
+            <a:schemeClr val="accent3">
+              <a:lumMod val="20000"/>
+              <a:lumOff val="80000"/>
+            </a:schemeClr>
+          </a:solidFill>
+          <a:ln w="3175"/>
+        </p:spPr>
+        <p:style>
+          <a:lnRef idx="2">
+            <a:schemeClr val="accent1">
+              <a:shade val="50000"/>
+            </a:schemeClr>
+          </a:lnRef>
+          <a:fillRef idx="1">
+            <a:schemeClr val="accent1"/>
+          </a:fillRef>
+          <a:effectRef idx="0">
+            <a:schemeClr val="accent1"/>
+          </a:effectRef>
+          <a:fontRef idx="minor">
+            <a:schemeClr val="lt1"/>
+          </a:fontRef>
+        </p:style>
+        <p:txBody>
+          <a:bodyPr rtlCol="0" anchor="t"/>
+          <a:lstStyle/>
+          <a:p>
+            <a:r>
+              <a:rPr lang="zh-CN" altLang="en-US" sz="1200" dirty="0" smtClean="0">
+                <a:solidFill>
+                  <a:schemeClr val="tx1"/>
+                </a:solidFill>
+              </a:rPr>
+              <a:t>服</a:t>
+            </a:r>
+            <a:r>
+              <a:rPr lang="zh-CN" altLang="en-US" sz="1200" dirty="0" smtClean="0">
+                <a:solidFill>
+                  <a:schemeClr val="tx1"/>
+                </a:solidFill>
+              </a:rPr>
+              <a:t>务消费者</a:t>
+            </a:r>
+            <a:endParaRPr lang="en-US" altLang="zh-CN" sz="1200" dirty="0" smtClean="0">
+              <a:solidFill>
+                <a:schemeClr val="tx1"/>
+              </a:solidFill>
+            </a:endParaRPr>
+          </a:p>
+        </p:txBody>
+      </p:sp>
+      <p:sp>
+        <p:nvSpPr>
           <p:cNvPr id="28" name="矩形 27"/>
           <p:cNvSpPr/>
           <p:nvPr/>
@@ -3317,11 +3383,7 @@
             </a:r>
             <a:r>
               <a:rPr lang="zh-CN" altLang="en-US" sz="1200" dirty="0" smtClean="0"/>
-              <a:t>配</a:t>
-            </a:r>
-            <a:r>
-              <a:rPr lang="zh-CN" altLang="en-US" sz="1200" dirty="0" smtClean="0"/>
-              <a:t>置类</a:t>
+              <a:t>配置类</a:t>
             </a:r>
             <a:endParaRPr lang="en-US" altLang="zh-CN" sz="1200" dirty="0" smtClean="0">
               <a:solidFill>
@@ -3506,7 +3568,7 @@
         </p:nvSpPr>
         <p:spPr>
           <a:xfrm>
-            <a:off x="4067944" y="1628800"/>
+            <a:off x="4067944" y="1052736"/>
             <a:ext cx="1440160" cy="576064"/>
           </a:xfrm>
           <a:prstGeom prst="rect">
@@ -3568,8 +3630,8 @@
         </p:nvCxnSpPr>
         <p:spPr>
           <a:xfrm flipV="1">
-            <a:off x="4788024" y="2204864"/>
-            <a:ext cx="0" cy="576064"/>
+            <a:off x="4788024" y="1628800"/>
+            <a:ext cx="0" cy="1152128"/>
           </a:xfrm>
           <a:prstGeom prst="straightConnector1">
             <a:avLst/>
@@ -3601,7 +3663,7 @@
         </p:nvSpPr>
         <p:spPr>
           <a:xfrm>
-            <a:off x="4487247" y="2420888"/>
+            <a:off x="4487247" y="2492896"/>
             <a:ext cx="607859" cy="261610"/>
           </a:xfrm>
           <a:prstGeom prst="rect">
@@ -3659,6 +3721,471 @@
           </a:fontRef>
         </p:style>
       </p:cxnSp>
+      <p:sp>
+        <p:nvSpPr>
+          <p:cNvPr id="20" name="矩形 19"/>
+          <p:cNvSpPr/>
+          <p:nvPr/>
+        </p:nvSpPr>
+        <p:spPr>
+          <a:xfrm>
+            <a:off x="5076056" y="4365104"/>
+            <a:ext cx="1008112" cy="576064"/>
+          </a:xfrm>
+          <a:prstGeom prst="rect">
+            <a:avLst/>
+          </a:prstGeom>
+          <a:solidFill>
+            <a:schemeClr val="tx2">
+              <a:lumMod val="60000"/>
+              <a:lumOff val="40000"/>
+            </a:schemeClr>
+          </a:solidFill>
+          <a:ln w="3175"/>
+        </p:spPr>
+        <p:style>
+          <a:lnRef idx="2">
+            <a:schemeClr val="accent1">
+              <a:shade val="50000"/>
+            </a:schemeClr>
+          </a:lnRef>
+          <a:fillRef idx="1">
+            <a:schemeClr val="accent1"/>
+          </a:fillRef>
+          <a:effectRef idx="0">
+            <a:schemeClr val="accent1"/>
+          </a:effectRef>
+          <a:fontRef idx="minor">
+            <a:schemeClr val="lt1"/>
+          </a:fontRef>
+        </p:style>
+        <p:txBody>
+          <a:bodyPr rtlCol="0" anchor="ctr"/>
+          <a:lstStyle/>
+          <a:p>
+            <a:pPr algn="ctr"/>
+            <a:r>
+              <a:rPr lang="en-US" altLang="zh-CN" sz="1200" dirty="0" err="1" smtClean="0"/>
+              <a:t>Elasticsearch</a:t>
+            </a:r>
+            <a:endParaRPr lang="en-US" altLang="zh-CN" sz="1200" dirty="0" smtClean="0"/>
+          </a:p>
+          <a:p>
+            <a:pPr algn="ctr"/>
+            <a:r>
+              <a:rPr lang="en-US" altLang="zh-CN" sz="1200" dirty="0" smtClean="0"/>
+              <a:t>9200</a:t>
+            </a:r>
+          </a:p>
+          <a:p>
+            <a:pPr algn="ctr"/>
+            <a:r>
+              <a:rPr lang="en-US" altLang="zh-CN" sz="1200" dirty="0" smtClean="0"/>
+              <a:t>9300</a:t>
+            </a:r>
+            <a:endParaRPr lang="en-US" altLang="zh-CN" sz="1200" dirty="0" smtClean="0">
+              <a:solidFill>
+                <a:schemeClr val="bg1"/>
+              </a:solidFill>
+            </a:endParaRPr>
+          </a:p>
+        </p:txBody>
+      </p:sp>
+      <p:sp>
+        <p:nvSpPr>
+          <p:cNvPr id="21" name="矩形 20"/>
+          <p:cNvSpPr/>
+          <p:nvPr/>
+        </p:nvSpPr>
+        <p:spPr>
+          <a:xfrm>
+            <a:off x="3309764" y="4365104"/>
+            <a:ext cx="1152128" cy="576064"/>
+          </a:xfrm>
+          <a:prstGeom prst="rect">
+            <a:avLst/>
+          </a:prstGeom>
+          <a:solidFill>
+            <a:schemeClr val="tx2">
+              <a:lumMod val="60000"/>
+              <a:lumOff val="40000"/>
+            </a:schemeClr>
+          </a:solidFill>
+          <a:ln w="3175"/>
+        </p:spPr>
+        <p:style>
+          <a:lnRef idx="2">
+            <a:schemeClr val="accent1">
+              <a:shade val="50000"/>
+            </a:schemeClr>
+          </a:lnRef>
+          <a:fillRef idx="1">
+            <a:schemeClr val="accent1"/>
+          </a:fillRef>
+          <a:effectRef idx="0">
+            <a:schemeClr val="accent1"/>
+          </a:effectRef>
+          <a:fontRef idx="minor">
+            <a:schemeClr val="lt1"/>
+          </a:fontRef>
+        </p:style>
+        <p:txBody>
+          <a:bodyPr rtlCol="0" anchor="ctr"/>
+          <a:lstStyle/>
+          <a:p>
+            <a:pPr algn="ctr"/>
+            <a:r>
+              <a:rPr lang="en-US" altLang="zh-CN" sz="1200" dirty="0" err="1" smtClean="0"/>
+              <a:t>skywalking-oap</a:t>
+            </a:r>
+            <a:endParaRPr lang="en-US" altLang="zh-CN" sz="1200" dirty="0" smtClean="0"/>
+          </a:p>
+          <a:p>
+            <a:pPr algn="ctr"/>
+            <a:r>
+              <a:rPr lang="en-US" altLang="zh-CN" sz="1200" dirty="0" smtClean="0"/>
+              <a:t>11800</a:t>
+            </a:r>
+          </a:p>
+          <a:p>
+            <a:pPr algn="ctr"/>
+            <a:r>
+              <a:rPr lang="en-US" altLang="zh-CN" sz="1200" dirty="0" smtClean="0"/>
+              <a:t>12800</a:t>
+            </a:r>
+            <a:endParaRPr lang="en-US" altLang="zh-CN" sz="1200" dirty="0" smtClean="0">
+              <a:solidFill>
+                <a:schemeClr val="bg1"/>
+              </a:solidFill>
+            </a:endParaRPr>
+          </a:p>
+        </p:txBody>
+      </p:sp>
+      <p:sp>
+        <p:nvSpPr>
+          <p:cNvPr id="22" name="矩形 21"/>
+          <p:cNvSpPr/>
+          <p:nvPr/>
+        </p:nvSpPr>
+        <p:spPr>
+          <a:xfrm>
+            <a:off x="1619672" y="4365104"/>
+            <a:ext cx="1080120" cy="576064"/>
+          </a:xfrm>
+          <a:prstGeom prst="rect">
+            <a:avLst/>
+          </a:prstGeom>
+          <a:solidFill>
+            <a:schemeClr val="tx2">
+              <a:lumMod val="60000"/>
+              <a:lumOff val="40000"/>
+            </a:schemeClr>
+          </a:solidFill>
+          <a:ln w="3175"/>
+        </p:spPr>
+        <p:style>
+          <a:lnRef idx="2">
+            <a:schemeClr val="accent1">
+              <a:shade val="50000"/>
+            </a:schemeClr>
+          </a:lnRef>
+          <a:fillRef idx="1">
+            <a:schemeClr val="accent1"/>
+          </a:fillRef>
+          <a:effectRef idx="0">
+            <a:schemeClr val="accent1"/>
+          </a:effectRef>
+          <a:fontRef idx="minor">
+            <a:schemeClr val="lt1"/>
+          </a:fontRef>
+        </p:style>
+        <p:txBody>
+          <a:bodyPr rtlCol="0" anchor="ctr"/>
+          <a:lstStyle/>
+          <a:p>
+            <a:pPr algn="ctr"/>
+            <a:r>
+              <a:rPr lang="en-US" altLang="zh-CN" sz="1200" dirty="0" err="1" smtClean="0"/>
+              <a:t>skywalking-ui</a:t>
+            </a:r>
+            <a:endParaRPr lang="en-US" altLang="zh-CN" sz="1200" dirty="0" smtClean="0"/>
+          </a:p>
+          <a:p>
+            <a:pPr algn="ctr"/>
+            <a:r>
+              <a:rPr lang="en-US" altLang="zh-CN" sz="1200" dirty="0" smtClean="0"/>
+              <a:t>18080</a:t>
+            </a:r>
+            <a:endParaRPr lang="en-US" altLang="zh-CN" sz="1200" dirty="0" smtClean="0">
+              <a:solidFill>
+                <a:schemeClr val="bg1"/>
+              </a:solidFill>
+            </a:endParaRPr>
+          </a:p>
+        </p:txBody>
+      </p:sp>
+      <p:cxnSp>
+        <p:nvCxnSpPr>
+          <p:cNvPr id="31" name="直接箭头连接符 30"/>
+          <p:cNvCxnSpPr>
+            <a:stCxn id="25" idx="2"/>
+            <a:endCxn id="21" idx="0"/>
+          </p:cNvCxnSpPr>
+          <p:nvPr/>
+        </p:nvCxnSpPr>
+        <p:spPr>
+          <a:xfrm flipH="1">
+            <a:off x="3885828" y="3933056"/>
+            <a:ext cx="2096" cy="432048"/>
+          </a:xfrm>
+          <a:prstGeom prst="straightConnector1">
+            <a:avLst/>
+          </a:prstGeom>
+          <a:ln>
+            <a:tailEnd type="arrow"/>
+          </a:ln>
+        </p:spPr>
+        <p:style>
+          <a:lnRef idx="1">
+            <a:schemeClr val="accent1"/>
+          </a:lnRef>
+          <a:fillRef idx="0">
+            <a:schemeClr val="accent1"/>
+          </a:fillRef>
+          <a:effectRef idx="0">
+            <a:schemeClr val="accent1"/>
+          </a:effectRef>
+          <a:fontRef idx="minor">
+            <a:schemeClr val="tx1"/>
+          </a:fontRef>
+        </p:style>
+      </p:cxnSp>
+      <p:cxnSp>
+        <p:nvCxnSpPr>
+          <p:cNvPr id="33" name="直接箭头连接符 32"/>
+          <p:cNvCxnSpPr>
+            <a:stCxn id="21" idx="3"/>
+            <a:endCxn id="20" idx="1"/>
+          </p:cNvCxnSpPr>
+          <p:nvPr/>
+        </p:nvCxnSpPr>
+        <p:spPr>
+          <a:xfrm>
+            <a:off x="4461892" y="4653136"/>
+            <a:ext cx="614164" cy="0"/>
+          </a:xfrm>
+          <a:prstGeom prst="straightConnector1">
+            <a:avLst/>
+          </a:prstGeom>
+          <a:ln>
+            <a:tailEnd type="arrow"/>
+          </a:ln>
+        </p:spPr>
+        <p:style>
+          <a:lnRef idx="1">
+            <a:schemeClr val="accent1"/>
+          </a:lnRef>
+          <a:fillRef idx="0">
+            <a:schemeClr val="accent1"/>
+          </a:fillRef>
+          <a:effectRef idx="0">
+            <a:schemeClr val="accent1"/>
+          </a:effectRef>
+          <a:fontRef idx="minor">
+            <a:schemeClr val="tx1"/>
+          </a:fontRef>
+        </p:style>
+      </p:cxnSp>
+      <p:cxnSp>
+        <p:nvCxnSpPr>
+          <p:cNvPr id="35" name="直接箭头连接符 34"/>
+          <p:cNvCxnSpPr>
+            <a:stCxn id="22" idx="3"/>
+            <a:endCxn id="21" idx="1"/>
+          </p:cNvCxnSpPr>
+          <p:nvPr/>
+        </p:nvCxnSpPr>
+        <p:spPr>
+          <a:xfrm>
+            <a:off x="2699792" y="4653136"/>
+            <a:ext cx="609972" cy="0"/>
+          </a:xfrm>
+          <a:prstGeom prst="straightConnector1">
+            <a:avLst/>
+          </a:prstGeom>
+          <a:ln>
+            <a:tailEnd type="arrow"/>
+          </a:ln>
+        </p:spPr>
+        <p:style>
+          <a:lnRef idx="1">
+            <a:schemeClr val="accent1"/>
+          </a:lnRef>
+          <a:fillRef idx="0">
+            <a:schemeClr val="accent1"/>
+          </a:fillRef>
+          <a:effectRef idx="0">
+            <a:schemeClr val="accent1"/>
+          </a:effectRef>
+          <a:fontRef idx="minor">
+            <a:schemeClr val="tx1"/>
+          </a:fontRef>
+        </p:style>
+      </p:cxnSp>
+      <p:sp>
+        <p:nvSpPr>
+          <p:cNvPr id="38" name="TextBox 37"/>
+          <p:cNvSpPr txBox="1"/>
+          <p:nvPr/>
+        </p:nvSpPr>
+        <p:spPr>
+          <a:xfrm>
+            <a:off x="3851920" y="4031486"/>
+            <a:ext cx="1460656" cy="261610"/>
+          </a:xfrm>
+          <a:prstGeom prst="rect">
+            <a:avLst/>
+          </a:prstGeom>
+          <a:noFill/>
+        </p:spPr>
+        <p:txBody>
+          <a:bodyPr wrap="none" rtlCol="0">
+            <a:spAutoFit/>
+          </a:bodyPr>
+          <a:lstStyle/>
+          <a:p>
+            <a:r>
+              <a:rPr lang="en-US" altLang="zh-CN" sz="1100" dirty="0" smtClean="0"/>
+              <a:t>skywalking-oap:11800</a:t>
+            </a:r>
+            <a:endParaRPr lang="zh-CN" altLang="en-US" sz="1100" dirty="0"/>
+          </a:p>
+        </p:txBody>
+      </p:sp>
+      <p:sp>
+        <p:nvSpPr>
+          <p:cNvPr id="41" name="矩形 40"/>
+          <p:cNvSpPr/>
+          <p:nvPr/>
+        </p:nvSpPr>
+        <p:spPr>
+          <a:xfrm>
+            <a:off x="3347864" y="3645024"/>
+            <a:ext cx="1296144" cy="288032"/>
+          </a:xfrm>
+          <a:prstGeom prst="rect">
+            <a:avLst/>
+          </a:prstGeom>
+          <a:solidFill>
+            <a:srgbClr val="92D050"/>
+          </a:solidFill>
+          <a:ln w="3175"/>
+        </p:spPr>
+        <p:style>
+          <a:lnRef idx="2">
+            <a:schemeClr val="accent1">
+              <a:shade val="50000"/>
+            </a:schemeClr>
+          </a:lnRef>
+          <a:fillRef idx="1">
+            <a:schemeClr val="accent1"/>
+          </a:fillRef>
+          <a:effectRef idx="0">
+            <a:schemeClr val="accent1"/>
+          </a:effectRef>
+          <a:fontRef idx="minor">
+            <a:schemeClr val="lt1"/>
+          </a:fontRef>
+        </p:style>
+        <p:txBody>
+          <a:bodyPr rtlCol="0" anchor="ctr"/>
+          <a:lstStyle/>
+          <a:p>
+            <a:pPr algn="ctr"/>
+            <a:r>
+              <a:rPr lang="en-US" altLang="zh-CN" sz="1200" dirty="0" err="1" smtClean="0">
+                <a:solidFill>
+                  <a:srgbClr val="C00000"/>
+                </a:solidFill>
+              </a:rPr>
+              <a:t>skywalking</a:t>
+            </a:r>
+            <a:r>
+              <a:rPr lang="en-US" altLang="zh-CN" sz="1200" dirty="0" smtClean="0">
+                <a:solidFill>
+                  <a:srgbClr val="C00000"/>
+                </a:solidFill>
+              </a:rPr>
+              <a:t>-agent</a:t>
+            </a:r>
+            <a:endParaRPr lang="en-US" altLang="zh-CN" sz="1200" dirty="0" smtClean="0">
+              <a:solidFill>
+                <a:srgbClr val="C00000"/>
+              </a:solidFill>
+            </a:endParaRPr>
+          </a:p>
+        </p:txBody>
+      </p:sp>
+      <p:sp>
+        <p:nvSpPr>
+          <p:cNvPr id="42" name="TextBox 41"/>
+          <p:cNvSpPr txBox="1"/>
+          <p:nvPr/>
+        </p:nvSpPr>
+        <p:spPr>
+          <a:xfrm>
+            <a:off x="2699792" y="4607550"/>
+            <a:ext cx="545342" cy="261610"/>
+          </a:xfrm>
+          <a:prstGeom prst="rect">
+            <a:avLst/>
+          </a:prstGeom>
+          <a:noFill/>
+        </p:spPr>
+        <p:txBody>
+          <a:bodyPr wrap="none" rtlCol="0">
+            <a:spAutoFit/>
+          </a:bodyPr>
+          <a:lstStyle/>
+          <a:p>
+            <a:r>
+              <a:rPr lang="en-US" altLang="zh-CN" sz="1100" dirty="0" smtClean="0"/>
+              <a:t>12800</a:t>
+            </a:r>
+            <a:endParaRPr lang="zh-CN" altLang="en-US" sz="1100" dirty="0"/>
+          </a:p>
+        </p:txBody>
+      </p:sp>
+      <p:sp>
+        <p:nvSpPr>
+          <p:cNvPr id="43" name="TextBox 42"/>
+          <p:cNvSpPr txBox="1"/>
+          <p:nvPr/>
+        </p:nvSpPr>
+        <p:spPr>
+          <a:xfrm>
+            <a:off x="4499992" y="4653136"/>
+            <a:ext cx="473206" cy="261610"/>
+          </a:xfrm>
+          <a:prstGeom prst="rect">
+            <a:avLst/>
+          </a:prstGeom>
+          <a:noFill/>
+        </p:spPr>
+        <p:txBody>
+          <a:bodyPr wrap="none" rtlCol="0">
+            <a:spAutoFit/>
+          </a:bodyPr>
+          <a:lstStyle/>
+          <a:p>
+            <a:r>
+              <a:rPr lang="en-US" altLang="zh-CN" sz="1100" dirty="0" smtClean="0"/>
+              <a:t>9200</a:t>
+            </a:r>
+            <a:endParaRPr lang="zh-CN" altLang="en-US" sz="1100" dirty="0"/>
+          </a:p>
+        </p:txBody>
+      </p:sp>
     </p:spTree>
   </p:cSld>
   <p:clrMapOvr>

--- a/doc/设计原图.pptx
+++ b/doc/设计原图.pptx
@@ -289,7 +289,7 @@
             <a:fld id="{A4FF1AE2-BB2B-4F02-8DFE-7D73438BF55F}" type="datetimeFigureOut">
               <a:rPr lang="zh-CN" altLang="en-US" smtClean="0"/>
               <a:pPr/>
-              <a:t>2019/12/19</a:t>
+              <a:t>2019/12/20</a:t>
             </a:fld>
             <a:endParaRPr lang="zh-CN" altLang="en-US"/>
           </a:p>
@@ -456,7 +456,7 @@
             <a:fld id="{A4FF1AE2-BB2B-4F02-8DFE-7D73438BF55F}" type="datetimeFigureOut">
               <a:rPr lang="zh-CN" altLang="en-US" smtClean="0"/>
               <a:pPr/>
-              <a:t>2019/12/19</a:t>
+              <a:t>2019/12/20</a:t>
             </a:fld>
             <a:endParaRPr lang="zh-CN" altLang="en-US"/>
           </a:p>
@@ -633,7 +633,7 @@
             <a:fld id="{A4FF1AE2-BB2B-4F02-8DFE-7D73438BF55F}" type="datetimeFigureOut">
               <a:rPr lang="zh-CN" altLang="en-US" smtClean="0"/>
               <a:pPr/>
-              <a:t>2019/12/19</a:t>
+              <a:t>2019/12/20</a:t>
             </a:fld>
             <a:endParaRPr lang="zh-CN" altLang="en-US"/>
           </a:p>
@@ -800,7 +800,7 @@
             <a:fld id="{A4FF1AE2-BB2B-4F02-8DFE-7D73438BF55F}" type="datetimeFigureOut">
               <a:rPr lang="zh-CN" altLang="en-US" smtClean="0"/>
               <a:pPr/>
-              <a:t>2019/12/19</a:t>
+              <a:t>2019/12/20</a:t>
             </a:fld>
             <a:endParaRPr lang="zh-CN" altLang="en-US"/>
           </a:p>
@@ -1043,7 +1043,7 @@
             <a:fld id="{A4FF1AE2-BB2B-4F02-8DFE-7D73438BF55F}" type="datetimeFigureOut">
               <a:rPr lang="zh-CN" altLang="en-US" smtClean="0"/>
               <a:pPr/>
-              <a:t>2019/12/19</a:t>
+              <a:t>2019/12/20</a:t>
             </a:fld>
             <a:endParaRPr lang="zh-CN" altLang="en-US"/>
           </a:p>
@@ -1328,7 +1328,7 @@
             <a:fld id="{A4FF1AE2-BB2B-4F02-8DFE-7D73438BF55F}" type="datetimeFigureOut">
               <a:rPr lang="zh-CN" altLang="en-US" smtClean="0"/>
               <a:pPr/>
-              <a:t>2019/12/19</a:t>
+              <a:t>2019/12/20</a:t>
             </a:fld>
             <a:endParaRPr lang="zh-CN" altLang="en-US"/>
           </a:p>
@@ -1747,7 +1747,7 @@
             <a:fld id="{A4FF1AE2-BB2B-4F02-8DFE-7D73438BF55F}" type="datetimeFigureOut">
               <a:rPr lang="zh-CN" altLang="en-US" smtClean="0"/>
               <a:pPr/>
-              <a:t>2019/12/19</a:t>
+              <a:t>2019/12/20</a:t>
             </a:fld>
             <a:endParaRPr lang="zh-CN" altLang="en-US"/>
           </a:p>
@@ -1862,7 +1862,7 @@
             <a:fld id="{A4FF1AE2-BB2B-4F02-8DFE-7D73438BF55F}" type="datetimeFigureOut">
               <a:rPr lang="zh-CN" altLang="en-US" smtClean="0"/>
               <a:pPr/>
-              <a:t>2019/12/19</a:t>
+              <a:t>2019/12/20</a:t>
             </a:fld>
             <a:endParaRPr lang="zh-CN" altLang="en-US"/>
           </a:p>
@@ -1954,7 +1954,7 @@
             <a:fld id="{A4FF1AE2-BB2B-4F02-8DFE-7D73438BF55F}" type="datetimeFigureOut">
               <a:rPr lang="zh-CN" altLang="en-US" smtClean="0"/>
               <a:pPr/>
-              <a:t>2019/12/19</a:t>
+              <a:t>2019/12/20</a:t>
             </a:fld>
             <a:endParaRPr lang="zh-CN" altLang="en-US"/>
           </a:p>
@@ -2228,7 +2228,7 @@
             <a:fld id="{A4FF1AE2-BB2B-4F02-8DFE-7D73438BF55F}" type="datetimeFigureOut">
               <a:rPr lang="zh-CN" altLang="en-US" smtClean="0"/>
               <a:pPr/>
-              <a:t>2019/12/19</a:t>
+              <a:t>2019/12/20</a:t>
             </a:fld>
             <a:endParaRPr lang="zh-CN" altLang="en-US"/>
           </a:p>
@@ -2478,7 +2478,7 @@
             <a:fld id="{A4FF1AE2-BB2B-4F02-8DFE-7D73438BF55F}" type="datetimeFigureOut">
               <a:rPr lang="zh-CN" altLang="en-US" smtClean="0"/>
               <a:pPr/>
-              <a:t>2019/12/19</a:t>
+              <a:t>2019/12/20</a:t>
             </a:fld>
             <a:endParaRPr lang="zh-CN" altLang="en-US"/>
           </a:p>
@@ -2688,7 +2688,7 @@
             <a:fld id="{A4FF1AE2-BB2B-4F02-8DFE-7D73438BF55F}" type="datetimeFigureOut">
               <a:rPr lang="zh-CN" altLang="en-US" smtClean="0"/>
               <a:pPr/>
-              <a:t>2019/12/19</a:t>
+              <a:t>2019/12/20</a:t>
             </a:fld>
             <a:endParaRPr lang="zh-CN" altLang="en-US"/>
           </a:p>
@@ -3107,15 +3107,7 @@
                   <a:schemeClr val="tx1"/>
                 </a:solidFill>
               </a:rPr>
-              <a:t>服</a:t>
-            </a:r>
-            <a:r>
-              <a:rPr lang="zh-CN" altLang="en-US" sz="1200" dirty="0" smtClean="0">
-                <a:solidFill>
-                  <a:schemeClr val="tx1"/>
-                </a:solidFill>
-              </a:rPr>
-              <a:t>务消费者</a:t>
+              <a:t>服务消费者</a:t>
             </a:r>
             <a:endParaRPr lang="en-US" altLang="zh-CN" sz="1200" dirty="0" smtClean="0">
               <a:solidFill>
@@ -3914,7 +3906,7 @@
             <a:pPr algn="ctr"/>
             <a:r>
               <a:rPr lang="en-US" altLang="zh-CN" sz="1200" dirty="0" smtClean="0"/>
-              <a:t>18080</a:t>
+              <a:t>8080</a:t>
             </a:r>
             <a:endParaRPr lang="en-US" altLang="zh-CN" sz="1200" dirty="0" smtClean="0">
               <a:solidFill>
@@ -4118,11 +4110,6 @@
               </a:rPr>
               <a:t>-agent</a:t>
             </a:r>
-            <a:endParaRPr lang="en-US" altLang="zh-CN" sz="1200" dirty="0" smtClean="0">
-              <a:solidFill>
-                <a:srgbClr val="C00000"/>
-              </a:solidFill>
-            </a:endParaRPr>
           </a:p>
         </p:txBody>
       </p:sp>

--- a/doc/设计原图.pptx
+++ b/doc/设计原图.pptx
@@ -289,7 +289,7 @@
             <a:fld id="{A4FF1AE2-BB2B-4F02-8DFE-7D73438BF55F}" type="datetimeFigureOut">
               <a:rPr lang="zh-CN" altLang="en-US" smtClean="0"/>
               <a:pPr/>
-              <a:t>2019/12/20</a:t>
+              <a:t>2019/12/21</a:t>
             </a:fld>
             <a:endParaRPr lang="zh-CN" altLang="en-US"/>
           </a:p>
@@ -456,7 +456,7 @@
             <a:fld id="{A4FF1AE2-BB2B-4F02-8DFE-7D73438BF55F}" type="datetimeFigureOut">
               <a:rPr lang="zh-CN" altLang="en-US" smtClean="0"/>
               <a:pPr/>
-              <a:t>2019/12/20</a:t>
+              <a:t>2019/12/21</a:t>
             </a:fld>
             <a:endParaRPr lang="zh-CN" altLang="en-US"/>
           </a:p>
@@ -633,7 +633,7 @@
             <a:fld id="{A4FF1AE2-BB2B-4F02-8DFE-7D73438BF55F}" type="datetimeFigureOut">
               <a:rPr lang="zh-CN" altLang="en-US" smtClean="0"/>
               <a:pPr/>
-              <a:t>2019/12/20</a:t>
+              <a:t>2019/12/21</a:t>
             </a:fld>
             <a:endParaRPr lang="zh-CN" altLang="en-US"/>
           </a:p>
@@ -800,7 +800,7 @@
             <a:fld id="{A4FF1AE2-BB2B-4F02-8DFE-7D73438BF55F}" type="datetimeFigureOut">
               <a:rPr lang="zh-CN" altLang="en-US" smtClean="0"/>
               <a:pPr/>
-              <a:t>2019/12/20</a:t>
+              <a:t>2019/12/21</a:t>
             </a:fld>
             <a:endParaRPr lang="zh-CN" altLang="en-US"/>
           </a:p>
@@ -1043,7 +1043,7 @@
             <a:fld id="{A4FF1AE2-BB2B-4F02-8DFE-7D73438BF55F}" type="datetimeFigureOut">
               <a:rPr lang="zh-CN" altLang="en-US" smtClean="0"/>
               <a:pPr/>
-              <a:t>2019/12/20</a:t>
+              <a:t>2019/12/21</a:t>
             </a:fld>
             <a:endParaRPr lang="zh-CN" altLang="en-US"/>
           </a:p>
@@ -1328,7 +1328,7 @@
             <a:fld id="{A4FF1AE2-BB2B-4F02-8DFE-7D73438BF55F}" type="datetimeFigureOut">
               <a:rPr lang="zh-CN" altLang="en-US" smtClean="0"/>
               <a:pPr/>
-              <a:t>2019/12/20</a:t>
+              <a:t>2019/12/21</a:t>
             </a:fld>
             <a:endParaRPr lang="zh-CN" altLang="en-US"/>
           </a:p>
@@ -1747,7 +1747,7 @@
             <a:fld id="{A4FF1AE2-BB2B-4F02-8DFE-7D73438BF55F}" type="datetimeFigureOut">
               <a:rPr lang="zh-CN" altLang="en-US" smtClean="0"/>
               <a:pPr/>
-              <a:t>2019/12/20</a:t>
+              <a:t>2019/12/21</a:t>
             </a:fld>
             <a:endParaRPr lang="zh-CN" altLang="en-US"/>
           </a:p>
@@ -1862,7 +1862,7 @@
             <a:fld id="{A4FF1AE2-BB2B-4F02-8DFE-7D73438BF55F}" type="datetimeFigureOut">
               <a:rPr lang="zh-CN" altLang="en-US" smtClean="0"/>
               <a:pPr/>
-              <a:t>2019/12/20</a:t>
+              <a:t>2019/12/21</a:t>
             </a:fld>
             <a:endParaRPr lang="zh-CN" altLang="en-US"/>
           </a:p>
@@ -1954,7 +1954,7 @@
             <a:fld id="{A4FF1AE2-BB2B-4F02-8DFE-7D73438BF55F}" type="datetimeFigureOut">
               <a:rPr lang="zh-CN" altLang="en-US" smtClean="0"/>
               <a:pPr/>
-              <a:t>2019/12/20</a:t>
+              <a:t>2019/12/21</a:t>
             </a:fld>
             <a:endParaRPr lang="zh-CN" altLang="en-US"/>
           </a:p>
@@ -2228,7 +2228,7 @@
             <a:fld id="{A4FF1AE2-BB2B-4F02-8DFE-7D73438BF55F}" type="datetimeFigureOut">
               <a:rPr lang="zh-CN" altLang="en-US" smtClean="0"/>
               <a:pPr/>
-              <a:t>2019/12/20</a:t>
+              <a:t>2019/12/21</a:t>
             </a:fld>
             <a:endParaRPr lang="zh-CN" altLang="en-US"/>
           </a:p>
@@ -2478,7 +2478,7 @@
             <a:fld id="{A4FF1AE2-BB2B-4F02-8DFE-7D73438BF55F}" type="datetimeFigureOut">
               <a:rPr lang="zh-CN" altLang="en-US" smtClean="0"/>
               <a:pPr/>
-              <a:t>2019/12/20</a:t>
+              <a:t>2019/12/21</a:t>
             </a:fld>
             <a:endParaRPr lang="zh-CN" altLang="en-US"/>
           </a:p>
@@ -2688,7 +2688,7 @@
             <a:fld id="{A4FF1AE2-BB2B-4F02-8DFE-7D73438BF55F}" type="datetimeFigureOut">
               <a:rPr lang="zh-CN" altLang="en-US" smtClean="0"/>
               <a:pPr/>
-              <a:t>2019/12/20</a:t>
+              <a:t>2019/12/21</a:t>
             </a:fld>
             <a:endParaRPr lang="zh-CN" altLang="en-US"/>
           </a:p>
@@ -3067,8 +3067,8 @@
         </p:nvSpPr>
         <p:spPr>
           <a:xfrm>
-            <a:off x="179512" y="1988840"/>
-            <a:ext cx="7416824" cy="1944216"/>
+            <a:off x="1547664" y="1124744"/>
+            <a:ext cx="7416824" cy="2376264"/>
           </a:xfrm>
           <a:prstGeom prst="rect">
             <a:avLst/>
@@ -3125,7 +3125,7 @@
         </p:nvSpPr>
         <p:spPr>
           <a:xfrm>
-            <a:off x="323528" y="2780928"/>
+            <a:off x="1691680" y="1916832"/>
             <a:ext cx="1512168" cy="576064"/>
           </a:xfrm>
           <a:prstGeom prst="rect">
@@ -3196,7 +3196,7 @@
         </p:nvSpPr>
         <p:spPr>
           <a:xfrm>
-            <a:off x="4067944" y="2780928"/>
+            <a:off x="5436096" y="1916832"/>
             <a:ext cx="1440160" cy="576064"/>
           </a:xfrm>
           <a:prstGeom prst="rect">
@@ -3263,7 +3263,7 @@
         </p:nvSpPr>
         <p:spPr>
           <a:xfrm>
-            <a:off x="6084168" y="2348880"/>
+            <a:off x="7452320" y="1484784"/>
             <a:ext cx="1368152" cy="576064"/>
           </a:xfrm>
           <a:prstGeom prst="rect">
@@ -3326,7 +3326,7 @@
         </p:nvSpPr>
         <p:spPr>
           <a:xfrm>
-            <a:off x="6084168" y="3212976"/>
+            <a:off x="7452320" y="2348880"/>
             <a:ext cx="1368152" cy="576064"/>
           </a:xfrm>
           <a:prstGeom prst="rect">
@@ -3393,7 +3393,7 @@
         </p:nvSpPr>
         <p:spPr>
           <a:xfrm>
-            <a:off x="2411760" y="2780928"/>
+            <a:off x="3779912" y="1916832"/>
             <a:ext cx="1080120" cy="576064"/>
           </a:xfrm>
           <a:prstGeom prst="rect">
@@ -3451,7 +3451,7 @@
         </p:nvCxnSpPr>
         <p:spPr>
           <a:xfrm>
-            <a:off x="3491880" y="3068960"/>
+            <a:off x="4860032" y="2204864"/>
             <a:ext cx="576064" cy="0"/>
           </a:xfrm>
           <a:prstGeom prst="straightConnector1">
@@ -3487,7 +3487,7 @@
         </p:nvCxnSpPr>
         <p:spPr>
           <a:xfrm flipV="1">
-            <a:off x="5508104" y="2636912"/>
+            <a:off x="6876256" y="1772816"/>
             <a:ext cx="576064" cy="432048"/>
           </a:xfrm>
           <a:prstGeom prst="bentConnector3">
@@ -3525,7 +3525,7 @@
         </p:nvCxnSpPr>
         <p:spPr>
           <a:xfrm>
-            <a:off x="5508104" y="3068960"/>
+            <a:off x="6876256" y="2204864"/>
             <a:ext cx="576064" cy="432048"/>
           </a:xfrm>
           <a:prstGeom prst="bentConnector3">
@@ -3560,7 +3560,7 @@
         </p:nvSpPr>
         <p:spPr>
           <a:xfrm>
-            <a:off x="4067944" y="1052736"/>
+            <a:off x="5436096" y="188640"/>
             <a:ext cx="1440160" cy="576064"/>
           </a:xfrm>
           <a:prstGeom prst="rect">
@@ -3622,7 +3622,7 @@
         </p:nvCxnSpPr>
         <p:spPr>
           <a:xfrm flipV="1">
-            <a:off x="4788024" y="1628800"/>
+            <a:off x="6156176" y="764704"/>
             <a:ext cx="0" cy="1152128"/>
           </a:xfrm>
           <a:prstGeom prst="straightConnector1">
@@ -3655,7 +3655,7 @@
         </p:nvSpPr>
         <p:spPr>
           <a:xfrm>
-            <a:off x="4487247" y="2492896"/>
+            <a:off x="5855399" y="1628800"/>
             <a:ext cx="607859" cy="261610"/>
           </a:xfrm>
           <a:prstGeom prst="rect">
@@ -3688,7 +3688,7 @@
         </p:nvCxnSpPr>
         <p:spPr>
           <a:xfrm>
-            <a:off x="1835696" y="3068960"/>
+            <a:off x="3203848" y="2204864"/>
             <a:ext cx="576064" cy="0"/>
           </a:xfrm>
           <a:prstGeom prst="straightConnector1">
@@ -3721,7 +3721,7 @@
         </p:nvSpPr>
         <p:spPr>
           <a:xfrm>
-            <a:off x="5076056" y="4365104"/>
+            <a:off x="7884368" y="3789040"/>
             <a:ext cx="1008112" cy="576064"/>
           </a:xfrm>
           <a:prstGeom prst="rect">
@@ -3791,7 +3791,7 @@
         </p:nvSpPr>
         <p:spPr>
           <a:xfrm>
-            <a:off x="3309764" y="4365104"/>
+            <a:off x="6190084" y="3789040"/>
             <a:ext cx="1152128" cy="576064"/>
           </a:xfrm>
           <a:prstGeom prst="rect">
@@ -3861,8 +3861,8 @@
         </p:nvSpPr>
         <p:spPr>
           <a:xfrm>
-            <a:off x="1619672" y="4365104"/>
-            <a:ext cx="1080120" cy="576064"/>
+            <a:off x="6194276" y="4672186"/>
+            <a:ext cx="1152128" cy="576064"/>
           </a:xfrm>
           <a:prstGeom prst="rect">
             <a:avLst/>
@@ -3920,14 +3920,13 @@
         <p:nvCxnSpPr>
           <p:cNvPr id="31" name="直接箭头连接符 30"/>
           <p:cNvCxnSpPr>
-            <a:stCxn id="25" idx="2"/>
             <a:endCxn id="21" idx="0"/>
           </p:cNvCxnSpPr>
           <p:nvPr/>
         </p:nvCxnSpPr>
         <p:spPr>
           <a:xfrm flipH="1">
-            <a:off x="3885828" y="3933056"/>
+            <a:off x="6766148" y="3356992"/>
             <a:ext cx="2096" cy="432048"/>
           </a:xfrm>
           <a:prstGeom prst="straightConnector1">
@@ -3963,8 +3962,8 @@
         </p:nvCxnSpPr>
         <p:spPr>
           <a:xfrm>
-            <a:off x="4461892" y="4653136"/>
-            <a:ext cx="614164" cy="0"/>
+            <a:off x="7342212" y="4077072"/>
+            <a:ext cx="542156" cy="0"/>
           </a:xfrm>
           <a:prstGeom prst="straightConnector1">
             <a:avLst/>
@@ -3992,15 +3991,15 @@
         <p:nvCxnSpPr>
           <p:cNvPr id="35" name="直接箭头连接符 34"/>
           <p:cNvCxnSpPr>
-            <a:stCxn id="22" idx="3"/>
-            <a:endCxn id="21" idx="1"/>
+            <a:stCxn id="22" idx="0"/>
+            <a:endCxn id="21" idx="2"/>
           </p:cNvCxnSpPr>
           <p:nvPr/>
         </p:nvCxnSpPr>
         <p:spPr>
-          <a:xfrm>
-            <a:off x="2699792" y="4653136"/>
-            <a:ext cx="609972" cy="0"/>
+          <a:xfrm flipH="1" flipV="1">
+            <a:off x="6766148" y="4365104"/>
+            <a:ext cx="4192" cy="307082"/>
           </a:xfrm>
           <a:prstGeom prst="straightConnector1">
             <a:avLst/>
@@ -4032,7 +4031,7 @@
         </p:nvSpPr>
         <p:spPr>
           <a:xfrm>
-            <a:off x="3851920" y="4031486"/>
+            <a:off x="6732240" y="3501008"/>
             <a:ext cx="1460656" cy="261610"/>
           </a:xfrm>
           <a:prstGeom prst="rect">
@@ -4062,7 +4061,7 @@
         </p:nvSpPr>
         <p:spPr>
           <a:xfrm>
-            <a:off x="3347864" y="3645024"/>
+            <a:off x="6228184" y="3212976"/>
             <a:ext cx="1296144" cy="288032"/>
           </a:xfrm>
           <a:prstGeom prst="rect">
@@ -4121,7 +4120,7 @@
         </p:nvSpPr>
         <p:spPr>
           <a:xfrm>
-            <a:off x="2699792" y="4607550"/>
+            <a:off x="6690954" y="4391526"/>
             <a:ext cx="545342" cy="261610"/>
           </a:xfrm>
           <a:prstGeom prst="rect">
@@ -4151,7 +4150,7 @@
         </p:nvSpPr>
         <p:spPr>
           <a:xfrm>
-            <a:off x="4499992" y="4653136"/>
+            <a:off x="7380312" y="4031486"/>
             <a:ext cx="473206" cy="261610"/>
           </a:xfrm>
           <a:prstGeom prst="rect">
@@ -4173,6 +4172,450 @@
           </a:p>
         </p:txBody>
       </p:sp>
+      <p:sp>
+        <p:nvSpPr>
+          <p:cNvPr id="44" name="矩形 43"/>
+          <p:cNvSpPr/>
+          <p:nvPr/>
+        </p:nvSpPr>
+        <p:spPr>
+          <a:xfrm>
+            <a:off x="1547664" y="5157192"/>
+            <a:ext cx="1224136" cy="576064"/>
+          </a:xfrm>
+          <a:prstGeom prst="rect">
+            <a:avLst/>
+          </a:prstGeom>
+          <a:solidFill>
+            <a:schemeClr val="tx2">
+              <a:lumMod val="60000"/>
+              <a:lumOff val="40000"/>
+            </a:schemeClr>
+          </a:solidFill>
+          <a:ln w="3175"/>
+        </p:spPr>
+        <p:style>
+          <a:lnRef idx="2">
+            <a:schemeClr val="accent1">
+              <a:shade val="50000"/>
+            </a:schemeClr>
+          </a:lnRef>
+          <a:fillRef idx="1">
+            <a:schemeClr val="accent1"/>
+          </a:fillRef>
+          <a:effectRef idx="0">
+            <a:schemeClr val="accent1"/>
+          </a:effectRef>
+          <a:fontRef idx="minor">
+            <a:schemeClr val="lt1"/>
+          </a:fontRef>
+        </p:style>
+        <p:txBody>
+          <a:bodyPr rtlCol="0" anchor="ctr"/>
+          <a:lstStyle/>
+          <a:p>
+            <a:pPr algn="ctr"/>
+            <a:r>
+              <a:rPr lang="en-US" altLang="zh-CN" sz="1200" dirty="0" smtClean="0"/>
+              <a:t>Apollo</a:t>
+            </a:r>
+          </a:p>
+          <a:p>
+            <a:pPr algn="ctr"/>
+            <a:r>
+              <a:rPr lang="en-US" altLang="zh-CN" sz="1200" dirty="0" smtClean="0"/>
+              <a:t>Admin Service</a:t>
+            </a:r>
+          </a:p>
+          <a:p>
+            <a:pPr algn="ctr"/>
+            <a:r>
+              <a:rPr lang="en-US" altLang="zh-CN" sz="1200" dirty="0" smtClean="0"/>
+              <a:t>3202</a:t>
+            </a:r>
+          </a:p>
+        </p:txBody>
+      </p:sp>
+      <p:sp>
+        <p:nvSpPr>
+          <p:cNvPr id="45" name="矩形 44"/>
+          <p:cNvSpPr/>
+          <p:nvPr/>
+        </p:nvSpPr>
+        <p:spPr>
+          <a:xfrm>
+            <a:off x="899592" y="6021288"/>
+            <a:ext cx="1152128" cy="576064"/>
+          </a:xfrm>
+          <a:prstGeom prst="rect">
+            <a:avLst/>
+          </a:prstGeom>
+          <a:solidFill>
+            <a:schemeClr val="tx2">
+              <a:lumMod val="60000"/>
+              <a:lumOff val="40000"/>
+            </a:schemeClr>
+          </a:solidFill>
+          <a:ln w="3175"/>
+        </p:spPr>
+        <p:style>
+          <a:lnRef idx="2">
+            <a:schemeClr val="accent1">
+              <a:shade val="50000"/>
+            </a:schemeClr>
+          </a:lnRef>
+          <a:fillRef idx="1">
+            <a:schemeClr val="accent1"/>
+          </a:fillRef>
+          <a:effectRef idx="0">
+            <a:schemeClr val="accent1"/>
+          </a:effectRef>
+          <a:fontRef idx="minor">
+            <a:schemeClr val="lt1"/>
+          </a:fontRef>
+        </p:style>
+        <p:txBody>
+          <a:bodyPr rtlCol="0" anchor="ctr"/>
+          <a:lstStyle/>
+          <a:p>
+            <a:pPr algn="ctr"/>
+            <a:r>
+              <a:rPr lang="en-US" altLang="zh-CN" sz="1200" dirty="0" err="1" smtClean="0"/>
+              <a:t>Mysql</a:t>
+            </a:r>
+            <a:endParaRPr lang="en-US" altLang="zh-CN" sz="1200" dirty="0" smtClean="0"/>
+          </a:p>
+          <a:p>
+            <a:pPr algn="ctr"/>
+            <a:r>
+              <a:rPr lang="en-US" altLang="zh-CN" sz="1200" dirty="0" err="1" smtClean="0"/>
+              <a:t>ConfigDB</a:t>
+            </a:r>
+            <a:endParaRPr lang="en-US" altLang="zh-CN" sz="1200" dirty="0" smtClean="0">
+              <a:solidFill>
+                <a:schemeClr val="bg1"/>
+              </a:solidFill>
+            </a:endParaRPr>
+          </a:p>
+        </p:txBody>
+      </p:sp>
+      <p:cxnSp>
+        <p:nvCxnSpPr>
+          <p:cNvPr id="47" name="直接箭头连接符 46"/>
+          <p:cNvCxnSpPr>
+            <a:stCxn id="44" idx="2"/>
+            <a:endCxn id="45" idx="0"/>
+          </p:cNvCxnSpPr>
+          <p:nvPr/>
+        </p:nvCxnSpPr>
+        <p:spPr>
+          <a:xfrm flipH="1">
+            <a:off x="1475656" y="5733256"/>
+            <a:ext cx="684076" cy="288032"/>
+          </a:xfrm>
+          <a:prstGeom prst="straightConnector1">
+            <a:avLst/>
+          </a:prstGeom>
+          <a:ln>
+            <a:tailEnd type="arrow"/>
+          </a:ln>
+        </p:spPr>
+        <p:style>
+          <a:lnRef idx="1">
+            <a:schemeClr val="accent1"/>
+          </a:lnRef>
+          <a:fillRef idx="0">
+            <a:schemeClr val="accent1"/>
+          </a:fillRef>
+          <a:effectRef idx="0">
+            <a:schemeClr val="accent1"/>
+          </a:effectRef>
+          <a:fontRef idx="minor">
+            <a:schemeClr val="tx1"/>
+          </a:fontRef>
+        </p:style>
+      </p:cxnSp>
+      <p:sp>
+        <p:nvSpPr>
+          <p:cNvPr id="62" name="矩形 61"/>
+          <p:cNvSpPr/>
+          <p:nvPr/>
+        </p:nvSpPr>
+        <p:spPr>
+          <a:xfrm>
+            <a:off x="2915816" y="5157192"/>
+            <a:ext cx="1152128" cy="576064"/>
+          </a:xfrm>
+          <a:prstGeom prst="rect">
+            <a:avLst/>
+          </a:prstGeom>
+          <a:solidFill>
+            <a:schemeClr val="tx2">
+              <a:lumMod val="60000"/>
+              <a:lumOff val="40000"/>
+            </a:schemeClr>
+          </a:solidFill>
+          <a:ln w="3175"/>
+        </p:spPr>
+        <p:style>
+          <a:lnRef idx="2">
+            <a:schemeClr val="accent1">
+              <a:shade val="50000"/>
+            </a:schemeClr>
+          </a:lnRef>
+          <a:fillRef idx="1">
+            <a:schemeClr val="accent1"/>
+          </a:fillRef>
+          <a:effectRef idx="0">
+            <a:schemeClr val="accent1"/>
+          </a:effectRef>
+          <a:fontRef idx="minor">
+            <a:schemeClr val="lt1"/>
+          </a:fontRef>
+        </p:style>
+        <p:txBody>
+          <a:bodyPr rtlCol="0" anchor="ctr"/>
+          <a:lstStyle/>
+          <a:p>
+            <a:pPr algn="ctr"/>
+            <a:r>
+              <a:rPr lang="en-US" altLang="zh-CN" sz="1200" dirty="0" smtClean="0"/>
+              <a:t>Apollo</a:t>
+            </a:r>
+          </a:p>
+          <a:p>
+            <a:pPr algn="ctr"/>
+            <a:r>
+              <a:rPr lang="en-US" altLang="zh-CN" sz="1200" dirty="0" smtClean="0"/>
+              <a:t>Portal</a:t>
+            </a:r>
+          </a:p>
+          <a:p>
+            <a:pPr algn="ctr"/>
+            <a:r>
+              <a:rPr lang="en-US" altLang="zh-CN" sz="1200" dirty="0" smtClean="0">
+                <a:solidFill>
+                  <a:schemeClr val="bg1"/>
+                </a:solidFill>
+              </a:rPr>
+              <a:t>3203</a:t>
+            </a:r>
+            <a:endParaRPr lang="en-US" altLang="zh-CN" sz="1200" dirty="0" smtClean="0">
+              <a:solidFill>
+                <a:schemeClr val="bg1"/>
+              </a:solidFill>
+            </a:endParaRPr>
+          </a:p>
+        </p:txBody>
+      </p:sp>
+      <p:sp>
+        <p:nvSpPr>
+          <p:cNvPr id="63" name="矩形 62"/>
+          <p:cNvSpPr/>
+          <p:nvPr/>
+        </p:nvSpPr>
+        <p:spPr>
+          <a:xfrm>
+            <a:off x="2915816" y="6021288"/>
+            <a:ext cx="1152128" cy="576064"/>
+          </a:xfrm>
+          <a:prstGeom prst="rect">
+            <a:avLst/>
+          </a:prstGeom>
+          <a:solidFill>
+            <a:schemeClr val="tx2">
+              <a:lumMod val="60000"/>
+              <a:lumOff val="40000"/>
+            </a:schemeClr>
+          </a:solidFill>
+          <a:ln w="3175"/>
+        </p:spPr>
+        <p:style>
+          <a:lnRef idx="2">
+            <a:schemeClr val="accent1">
+              <a:shade val="50000"/>
+            </a:schemeClr>
+          </a:lnRef>
+          <a:fillRef idx="1">
+            <a:schemeClr val="accent1"/>
+          </a:fillRef>
+          <a:effectRef idx="0">
+            <a:schemeClr val="accent1"/>
+          </a:effectRef>
+          <a:fontRef idx="minor">
+            <a:schemeClr val="lt1"/>
+          </a:fontRef>
+        </p:style>
+        <p:txBody>
+          <a:bodyPr rtlCol="0" anchor="ctr"/>
+          <a:lstStyle/>
+          <a:p>
+            <a:pPr algn="ctr"/>
+            <a:r>
+              <a:rPr lang="en-US" altLang="zh-CN" sz="1200" dirty="0" err="1" smtClean="0"/>
+              <a:t>Mysql</a:t>
+            </a:r>
+            <a:endParaRPr lang="en-US" altLang="zh-CN" sz="1200" dirty="0" smtClean="0"/>
+          </a:p>
+          <a:p>
+            <a:pPr algn="ctr"/>
+            <a:r>
+              <a:rPr lang="en-US" altLang="zh-CN" sz="1200" dirty="0" err="1" smtClean="0"/>
+              <a:t>PortalDB</a:t>
+            </a:r>
+            <a:endParaRPr lang="en-US" altLang="zh-CN" sz="1200" dirty="0" smtClean="0"/>
+          </a:p>
+        </p:txBody>
+      </p:sp>
+      <p:cxnSp>
+        <p:nvCxnSpPr>
+          <p:cNvPr id="64" name="直接箭头连接符 63"/>
+          <p:cNvCxnSpPr>
+            <a:stCxn id="62" idx="2"/>
+            <a:endCxn id="63" idx="0"/>
+          </p:cNvCxnSpPr>
+          <p:nvPr/>
+        </p:nvCxnSpPr>
+        <p:spPr>
+          <a:xfrm>
+            <a:off x="3491880" y="5733256"/>
+            <a:ext cx="0" cy="288032"/>
+          </a:xfrm>
+          <a:prstGeom prst="straightConnector1">
+            <a:avLst/>
+          </a:prstGeom>
+          <a:ln>
+            <a:tailEnd type="arrow"/>
+          </a:ln>
+        </p:spPr>
+        <p:style>
+          <a:lnRef idx="1">
+            <a:schemeClr val="accent1"/>
+          </a:lnRef>
+          <a:fillRef idx="0">
+            <a:schemeClr val="accent1"/>
+          </a:fillRef>
+          <a:effectRef idx="0">
+            <a:schemeClr val="accent1"/>
+          </a:effectRef>
+          <a:fontRef idx="minor">
+            <a:schemeClr val="tx1"/>
+          </a:fontRef>
+        </p:style>
+      </p:cxnSp>
+      <p:sp>
+        <p:nvSpPr>
+          <p:cNvPr id="67" name="矩形 66"/>
+          <p:cNvSpPr/>
+          <p:nvPr/>
+        </p:nvSpPr>
+        <p:spPr>
+          <a:xfrm>
+            <a:off x="251520" y="5157192"/>
+            <a:ext cx="1152128" cy="576064"/>
+          </a:xfrm>
+          <a:prstGeom prst="rect">
+            <a:avLst/>
+          </a:prstGeom>
+          <a:solidFill>
+            <a:schemeClr val="tx2">
+              <a:lumMod val="60000"/>
+              <a:lumOff val="40000"/>
+            </a:schemeClr>
+          </a:solidFill>
+          <a:ln w="3175"/>
+        </p:spPr>
+        <p:style>
+          <a:lnRef idx="2">
+            <a:schemeClr val="accent1">
+              <a:shade val="50000"/>
+            </a:schemeClr>
+          </a:lnRef>
+          <a:fillRef idx="1">
+            <a:schemeClr val="accent1"/>
+          </a:fillRef>
+          <a:effectRef idx="0">
+            <a:schemeClr val="accent1"/>
+          </a:effectRef>
+          <a:fontRef idx="minor">
+            <a:schemeClr val="lt1"/>
+          </a:fontRef>
+        </p:style>
+        <p:txBody>
+          <a:bodyPr rtlCol="0" anchor="ctr"/>
+          <a:lstStyle/>
+          <a:p>
+            <a:pPr algn="ctr"/>
+            <a:r>
+              <a:rPr lang="en-US" altLang="zh-CN" sz="1200" dirty="0" smtClean="0"/>
+              <a:t>Apollo</a:t>
+            </a:r>
+          </a:p>
+          <a:p>
+            <a:pPr algn="ctr"/>
+            <a:r>
+              <a:rPr lang="en-US" altLang="zh-CN" sz="1200" dirty="0" err="1" smtClean="0"/>
+              <a:t>Config</a:t>
+            </a:r>
+            <a:r>
+              <a:rPr lang="en-US" altLang="zh-CN" sz="1200" dirty="0" smtClean="0"/>
+              <a:t> Service</a:t>
+            </a:r>
+          </a:p>
+          <a:p>
+            <a:pPr algn="ctr"/>
+            <a:r>
+              <a:rPr lang="en-US" altLang="zh-CN" sz="1200" dirty="0" smtClean="0">
+                <a:solidFill>
+                  <a:schemeClr val="bg1"/>
+                </a:solidFill>
+              </a:rPr>
+              <a:t>3201</a:t>
+            </a:r>
+            <a:endParaRPr lang="en-US" altLang="zh-CN" sz="1200" dirty="0" smtClean="0">
+              <a:solidFill>
+                <a:schemeClr val="bg1"/>
+              </a:solidFill>
+            </a:endParaRPr>
+          </a:p>
+        </p:txBody>
+      </p:sp>
+      <p:cxnSp>
+        <p:nvCxnSpPr>
+          <p:cNvPr id="78" name="直接箭头连接符 77"/>
+          <p:cNvCxnSpPr>
+            <a:stCxn id="67" idx="2"/>
+            <a:endCxn id="45" idx="0"/>
+          </p:cNvCxnSpPr>
+          <p:nvPr/>
+        </p:nvCxnSpPr>
+        <p:spPr>
+          <a:xfrm>
+            <a:off x="827584" y="5733256"/>
+            <a:ext cx="648072" cy="288032"/>
+          </a:xfrm>
+          <a:prstGeom prst="straightConnector1">
+            <a:avLst/>
+          </a:prstGeom>
+          <a:ln>
+            <a:tailEnd type="arrow"/>
+          </a:ln>
+        </p:spPr>
+        <p:style>
+          <a:lnRef idx="1">
+            <a:schemeClr val="accent1"/>
+          </a:lnRef>
+          <a:fillRef idx="0">
+            <a:schemeClr val="accent1"/>
+          </a:fillRef>
+          <a:effectRef idx="0">
+            <a:schemeClr val="accent1"/>
+          </a:effectRef>
+          <a:fontRef idx="minor">
+            <a:schemeClr val="tx1"/>
+          </a:fontRef>
+        </p:style>
+      </p:cxnSp>
     </p:spTree>
   </p:cSld>
   <p:clrMapOvr>

--- a/doc/设计原图.pptx
+++ b/doc/设计原图.pptx
@@ -3919,15 +3919,13 @@
       <p:cxnSp>
         <p:nvCxnSpPr>
           <p:cNvPr id="31" name="直接箭头连接符 30"/>
-          <p:cNvCxnSpPr>
-            <a:endCxn id="21" idx="0"/>
-          </p:cNvCxnSpPr>
+          <p:cNvCxnSpPr/>
           <p:nvPr/>
         </p:nvCxnSpPr>
         <p:spPr>
-          <a:xfrm flipH="1">
-            <a:off x="6766148" y="3356992"/>
-            <a:ext cx="2096" cy="432048"/>
+          <a:xfrm>
+            <a:off x="6766148" y="3501008"/>
+            <a:ext cx="0" cy="288032"/>
           </a:xfrm>
           <a:prstGeom prst="straightConnector1">
             <a:avLst/>
@@ -4031,7 +4029,7 @@
         </p:nvSpPr>
         <p:spPr>
           <a:xfrm>
-            <a:off x="6732240" y="3501008"/>
+            <a:off x="6783752" y="3501008"/>
             <a:ext cx="1460656" cy="261610"/>
           </a:xfrm>
           <a:prstGeom prst="rect">
@@ -4180,7 +4178,7 @@
         </p:nvSpPr>
         <p:spPr>
           <a:xfrm>
-            <a:off x="1547664" y="5157192"/>
+            <a:off x="2843808" y="3789040"/>
             <a:ext cx="1224136" cy="576064"/>
           </a:xfrm>
           <a:prstGeom prst="rect">
@@ -4244,8 +4242,8 @@
         </p:nvSpPr>
         <p:spPr>
           <a:xfrm>
-            <a:off x="899592" y="6021288"/>
-            <a:ext cx="1152128" cy="576064"/>
+            <a:off x="2123728" y="4653136"/>
+            <a:ext cx="1296144" cy="576064"/>
           </a:xfrm>
           <a:prstGeom prst="rect">
             <a:avLst/>
@@ -4289,6 +4287,10 @@
             <a:pPr algn="ctr"/>
             <a:r>
               <a:rPr lang="en-US" altLang="zh-CN" sz="1200" dirty="0" err="1" smtClean="0"/>
+              <a:t>Apollo</a:t>
+            </a:r>
+            <a:r>
+              <a:rPr lang="en-US" altLang="zh-CN" sz="1200" dirty="0" err="1" smtClean="0"/>
               <a:t>ConfigDB</a:t>
             </a:r>
             <a:endParaRPr lang="en-US" altLang="zh-CN" sz="1200" dirty="0" smtClean="0">
@@ -4310,7 +4312,7 @@
         </p:nvCxnSpPr>
         <p:spPr>
           <a:xfrm flipH="1">
-            <a:off x="1475656" y="5733256"/>
+            <a:off x="2771800" y="4365104"/>
             <a:ext cx="684076" cy="288032"/>
           </a:xfrm>
           <a:prstGeom prst="straightConnector1">
@@ -4343,7 +4345,7 @@
         </p:nvSpPr>
         <p:spPr>
           <a:xfrm>
-            <a:off x="2915816" y="5157192"/>
+            <a:off x="4572000" y="3789040"/>
             <a:ext cx="1152128" cy="576064"/>
           </a:xfrm>
           <a:prstGeom prst="rect">
@@ -4416,7 +4418,7 @@
         </p:nvSpPr>
         <p:spPr>
           <a:xfrm>
-            <a:off x="2915816" y="6021288"/>
+            <a:off x="4572000" y="4653136"/>
             <a:ext cx="1152128" cy="576064"/>
           </a:xfrm>
           <a:prstGeom prst="rect">
@@ -4461,7 +4463,7 @@
             <a:pPr algn="ctr"/>
             <a:r>
               <a:rPr lang="en-US" altLang="zh-CN" sz="1200" dirty="0" err="1" smtClean="0"/>
-              <a:t>PortalDB</a:t>
+              <a:t>ApolloPortalDB</a:t>
             </a:r>
             <a:endParaRPr lang="en-US" altLang="zh-CN" sz="1200" dirty="0" smtClean="0"/>
           </a:p>
@@ -4478,7 +4480,7 @@
         </p:nvCxnSpPr>
         <p:spPr>
           <a:xfrm>
-            <a:off x="3491880" y="5733256"/>
+            <a:off x="5148064" y="4365104"/>
             <a:ext cx="0" cy="288032"/>
           </a:xfrm>
           <a:prstGeom prst="straightConnector1">
@@ -4511,7 +4513,7 @@
         </p:nvSpPr>
         <p:spPr>
           <a:xfrm>
-            <a:off x="251520" y="5157192"/>
+            <a:off x="1547664" y="3789040"/>
             <a:ext cx="1152128" cy="576064"/>
           </a:xfrm>
           <a:prstGeom prst="rect">
@@ -4591,8 +4593,77 @@
         </p:nvCxnSpPr>
         <p:spPr>
           <a:xfrm>
-            <a:off x="827584" y="5733256"/>
+            <a:off x="2123728" y="4365104"/>
             <a:ext cx="648072" cy="288032"/>
+          </a:xfrm>
+          <a:prstGeom prst="straightConnector1">
+            <a:avLst/>
+          </a:prstGeom>
+          <a:ln>
+            <a:tailEnd type="arrow"/>
+          </a:ln>
+        </p:spPr>
+        <p:style>
+          <a:lnRef idx="1">
+            <a:schemeClr val="accent1"/>
+          </a:lnRef>
+          <a:fillRef idx="0">
+            <a:schemeClr val="accent1"/>
+          </a:fillRef>
+          <a:effectRef idx="0">
+            <a:schemeClr val="accent1"/>
+          </a:effectRef>
+          <a:fontRef idx="minor">
+            <a:schemeClr val="tx1"/>
+          </a:fontRef>
+        </p:style>
+      </p:cxnSp>
+      <p:cxnSp>
+        <p:nvCxnSpPr>
+          <p:cNvPr id="91" name="直接箭头连接符 90"/>
+          <p:cNvCxnSpPr>
+            <a:stCxn id="62" idx="1"/>
+            <a:endCxn id="44" idx="3"/>
+          </p:cNvCxnSpPr>
+          <p:nvPr/>
+        </p:nvCxnSpPr>
+        <p:spPr>
+          <a:xfrm flipH="1">
+            <a:off x="4067944" y="4077072"/>
+            <a:ext cx="504056" cy="0"/>
+          </a:xfrm>
+          <a:prstGeom prst="straightConnector1">
+            <a:avLst/>
+          </a:prstGeom>
+          <a:ln>
+            <a:tailEnd type="arrow"/>
+          </a:ln>
+        </p:spPr>
+        <p:style>
+          <a:lnRef idx="1">
+            <a:schemeClr val="accent1"/>
+          </a:lnRef>
+          <a:fillRef idx="0">
+            <a:schemeClr val="accent1"/>
+          </a:fillRef>
+          <a:effectRef idx="0">
+            <a:schemeClr val="accent1"/>
+          </a:effectRef>
+          <a:fontRef idx="minor">
+            <a:schemeClr val="tx1"/>
+          </a:fontRef>
+        </p:style>
+      </p:cxnSp>
+      <p:cxnSp>
+        <p:nvCxnSpPr>
+          <p:cNvPr id="100" name="直接箭头连接符 99"/>
+          <p:cNvCxnSpPr/>
+          <p:nvPr/>
+        </p:nvCxnSpPr>
+        <p:spPr>
+          <a:xfrm>
+            <a:off x="2123728" y="3501008"/>
+            <a:ext cx="0" cy="288032"/>
           </a:xfrm>
           <a:prstGeom prst="straightConnector1">
             <a:avLst/>

--- a/doc/设计原图.pptx
+++ b/doc/设计原图.pptx
@@ -6,6 +6,7 @@
   </p:sldMasterIdLst>
   <p:sldIdLst>
     <p:sldId id="263" r:id="rId2"/>
+    <p:sldId id="264" r:id="rId3"/>
   </p:sldIdLst>
   <p:sldSz cx="9144000" cy="6858000" type="screen4x3"/>
   <p:notesSz cx="6858000" cy="9144000"/>
@@ -289,7 +290,7 @@
             <a:fld id="{A4FF1AE2-BB2B-4F02-8DFE-7D73438BF55F}" type="datetimeFigureOut">
               <a:rPr lang="zh-CN" altLang="en-US" smtClean="0"/>
               <a:pPr/>
-              <a:t>2019/12/21</a:t>
+              <a:t>2019/12/29</a:t>
             </a:fld>
             <a:endParaRPr lang="zh-CN" altLang="en-US"/>
           </a:p>
@@ -456,7 +457,7 @@
             <a:fld id="{A4FF1AE2-BB2B-4F02-8DFE-7D73438BF55F}" type="datetimeFigureOut">
               <a:rPr lang="zh-CN" altLang="en-US" smtClean="0"/>
               <a:pPr/>
-              <a:t>2019/12/21</a:t>
+              <a:t>2019/12/29</a:t>
             </a:fld>
             <a:endParaRPr lang="zh-CN" altLang="en-US"/>
           </a:p>
@@ -633,7 +634,7 @@
             <a:fld id="{A4FF1AE2-BB2B-4F02-8DFE-7D73438BF55F}" type="datetimeFigureOut">
               <a:rPr lang="zh-CN" altLang="en-US" smtClean="0"/>
               <a:pPr/>
-              <a:t>2019/12/21</a:t>
+              <a:t>2019/12/29</a:t>
             </a:fld>
             <a:endParaRPr lang="zh-CN" altLang="en-US"/>
           </a:p>
@@ -800,7 +801,7 @@
             <a:fld id="{A4FF1AE2-BB2B-4F02-8DFE-7D73438BF55F}" type="datetimeFigureOut">
               <a:rPr lang="zh-CN" altLang="en-US" smtClean="0"/>
               <a:pPr/>
-              <a:t>2019/12/21</a:t>
+              <a:t>2019/12/29</a:t>
             </a:fld>
             <a:endParaRPr lang="zh-CN" altLang="en-US"/>
           </a:p>
@@ -1043,7 +1044,7 @@
             <a:fld id="{A4FF1AE2-BB2B-4F02-8DFE-7D73438BF55F}" type="datetimeFigureOut">
               <a:rPr lang="zh-CN" altLang="en-US" smtClean="0"/>
               <a:pPr/>
-              <a:t>2019/12/21</a:t>
+              <a:t>2019/12/29</a:t>
             </a:fld>
             <a:endParaRPr lang="zh-CN" altLang="en-US"/>
           </a:p>
@@ -1328,7 +1329,7 @@
             <a:fld id="{A4FF1AE2-BB2B-4F02-8DFE-7D73438BF55F}" type="datetimeFigureOut">
               <a:rPr lang="zh-CN" altLang="en-US" smtClean="0"/>
               <a:pPr/>
-              <a:t>2019/12/21</a:t>
+              <a:t>2019/12/29</a:t>
             </a:fld>
             <a:endParaRPr lang="zh-CN" altLang="en-US"/>
           </a:p>
@@ -1747,7 +1748,7 @@
             <a:fld id="{A4FF1AE2-BB2B-4F02-8DFE-7D73438BF55F}" type="datetimeFigureOut">
               <a:rPr lang="zh-CN" altLang="en-US" smtClean="0"/>
               <a:pPr/>
-              <a:t>2019/12/21</a:t>
+              <a:t>2019/12/29</a:t>
             </a:fld>
             <a:endParaRPr lang="zh-CN" altLang="en-US"/>
           </a:p>
@@ -1862,7 +1863,7 @@
             <a:fld id="{A4FF1AE2-BB2B-4F02-8DFE-7D73438BF55F}" type="datetimeFigureOut">
               <a:rPr lang="zh-CN" altLang="en-US" smtClean="0"/>
               <a:pPr/>
-              <a:t>2019/12/21</a:t>
+              <a:t>2019/12/29</a:t>
             </a:fld>
             <a:endParaRPr lang="zh-CN" altLang="en-US"/>
           </a:p>
@@ -1954,7 +1955,7 @@
             <a:fld id="{A4FF1AE2-BB2B-4F02-8DFE-7D73438BF55F}" type="datetimeFigureOut">
               <a:rPr lang="zh-CN" altLang="en-US" smtClean="0"/>
               <a:pPr/>
-              <a:t>2019/12/21</a:t>
+              <a:t>2019/12/29</a:t>
             </a:fld>
             <a:endParaRPr lang="zh-CN" altLang="en-US"/>
           </a:p>
@@ -2228,7 +2229,7 @@
             <a:fld id="{A4FF1AE2-BB2B-4F02-8DFE-7D73438BF55F}" type="datetimeFigureOut">
               <a:rPr lang="zh-CN" altLang="en-US" smtClean="0"/>
               <a:pPr/>
-              <a:t>2019/12/21</a:t>
+              <a:t>2019/12/29</a:t>
             </a:fld>
             <a:endParaRPr lang="zh-CN" altLang="en-US"/>
           </a:p>
@@ -2478,7 +2479,7 @@
             <a:fld id="{A4FF1AE2-BB2B-4F02-8DFE-7D73438BF55F}" type="datetimeFigureOut">
               <a:rPr lang="zh-CN" altLang="en-US" smtClean="0"/>
               <a:pPr/>
-              <a:t>2019/12/21</a:t>
+              <a:t>2019/12/29</a:t>
             </a:fld>
             <a:endParaRPr lang="zh-CN" altLang="en-US"/>
           </a:p>
@@ -2688,7 +2689,7 @@
             <a:fld id="{A4FF1AE2-BB2B-4F02-8DFE-7D73438BF55F}" type="datetimeFigureOut">
               <a:rPr lang="zh-CN" altLang="en-US" smtClean="0"/>
               <a:pPr/>
-              <a:t>2019/12/21</a:t>
+              <a:t>2019/12/29</a:t>
             </a:fld>
             <a:endParaRPr lang="zh-CN" altLang="en-US"/>
           </a:p>
@@ -4287,11 +4288,7 @@
             <a:pPr algn="ctr"/>
             <a:r>
               <a:rPr lang="en-US" altLang="zh-CN" sz="1200" dirty="0" err="1" smtClean="0"/>
-              <a:t>Apollo</a:t>
-            </a:r>
-            <a:r>
-              <a:rPr lang="en-US" altLang="zh-CN" sz="1200" dirty="0" err="1" smtClean="0"/>
-              <a:t>ConfigDB</a:t>
+              <a:t>ApolloConfigDB</a:t>
             </a:r>
             <a:endParaRPr lang="en-US" altLang="zh-CN" sz="1200" dirty="0" smtClean="0">
               <a:solidFill>
@@ -4402,11 +4399,6 @@
               </a:rPr>
               <a:t>3203</a:t>
             </a:r>
-            <a:endParaRPr lang="en-US" altLang="zh-CN" sz="1200" dirty="0" smtClean="0">
-              <a:solidFill>
-                <a:schemeClr val="bg1"/>
-              </a:solidFill>
-            </a:endParaRPr>
           </a:p>
         </p:txBody>
       </p:sp>
@@ -4574,11 +4566,6 @@
               </a:rPr>
               <a:t>3201</a:t>
             </a:r>
-            <a:endParaRPr lang="en-US" altLang="zh-CN" sz="1200" dirty="0" smtClean="0">
-              <a:solidFill>
-                <a:schemeClr val="bg1"/>
-              </a:solidFill>
-            </a:endParaRPr>
           </a:p>
         </p:txBody>
       </p:sp>
@@ -4664,6 +4651,1402 @@
           <a:xfrm>
             <a:off x="2123728" y="3501008"/>
             <a:ext cx="0" cy="288032"/>
+          </a:xfrm>
+          <a:prstGeom prst="straightConnector1">
+            <a:avLst/>
+          </a:prstGeom>
+          <a:ln>
+            <a:tailEnd type="arrow"/>
+          </a:ln>
+        </p:spPr>
+        <p:style>
+          <a:lnRef idx="1">
+            <a:schemeClr val="accent1"/>
+          </a:lnRef>
+          <a:fillRef idx="0">
+            <a:schemeClr val="accent1"/>
+          </a:fillRef>
+          <a:effectRef idx="0">
+            <a:schemeClr val="accent1"/>
+          </a:effectRef>
+          <a:fontRef idx="minor">
+            <a:schemeClr val="tx1"/>
+          </a:fontRef>
+        </p:style>
+      </p:cxnSp>
+    </p:spTree>
+  </p:cSld>
+  <p:clrMapOvr>
+    <a:masterClrMapping/>
+  </p:clrMapOvr>
+</p:sld>
+</file>
+
+<file path=ppt/slides/slide2.xml><?xml version="1.0" encoding="utf-8"?>
+<p:sld xmlns:a="http://schemas.openxmlformats.org/drawingml/2006/main" xmlns:r="http://schemas.openxmlformats.org/officeDocument/2006/relationships" xmlns:p="http://schemas.openxmlformats.org/presentationml/2006/main">
+  <p:cSld>
+    <p:spTree>
+      <p:nvGrpSpPr>
+        <p:cNvPr id="1" name=""/>
+        <p:cNvGrpSpPr/>
+        <p:nvPr/>
+      </p:nvGrpSpPr>
+      <p:grpSpPr>
+        <a:xfrm>
+          <a:off x="0" y="0"/>
+          <a:ext cx="0" cy="0"/>
+          <a:chOff x="0" y="0"/>
+          <a:chExt cx="0" cy="0"/>
+        </a:xfrm>
+      </p:grpSpPr>
+      <p:sp>
+        <p:nvSpPr>
+          <p:cNvPr id="103" name="矩形 102"/>
+          <p:cNvSpPr/>
+          <p:nvPr/>
+        </p:nvSpPr>
+        <p:spPr>
+          <a:xfrm>
+            <a:off x="4644008" y="4293096"/>
+            <a:ext cx="4248472" cy="792088"/>
+          </a:xfrm>
+          <a:prstGeom prst="rect">
+            <a:avLst/>
+          </a:prstGeom>
+          <a:solidFill>
+            <a:schemeClr val="accent3">
+              <a:lumMod val="20000"/>
+              <a:lumOff val="80000"/>
+            </a:schemeClr>
+          </a:solidFill>
+          <a:ln w="3175"/>
+        </p:spPr>
+        <p:style>
+          <a:lnRef idx="2">
+            <a:schemeClr val="accent1">
+              <a:shade val="50000"/>
+            </a:schemeClr>
+          </a:lnRef>
+          <a:fillRef idx="1">
+            <a:schemeClr val="accent1"/>
+          </a:fillRef>
+          <a:effectRef idx="0">
+            <a:schemeClr val="accent1"/>
+          </a:effectRef>
+          <a:fontRef idx="minor">
+            <a:schemeClr val="lt1"/>
+          </a:fontRef>
+        </p:style>
+        <p:txBody>
+          <a:bodyPr rtlCol="0" anchor="ctr"/>
+          <a:lstStyle/>
+          <a:p>
+            <a:r>
+              <a:rPr lang="en-US" altLang="zh-CN" sz="1000" dirty="0" err="1" smtClean="0">
+                <a:solidFill>
+                  <a:schemeClr val="tx1"/>
+                </a:solidFill>
+              </a:rPr>
+              <a:t>Mysql</a:t>
+            </a:r>
+            <a:endParaRPr lang="en-US" altLang="zh-CN" sz="1000" dirty="0" smtClean="0">
+              <a:solidFill>
+                <a:schemeClr val="tx1"/>
+              </a:solidFill>
+            </a:endParaRPr>
+          </a:p>
+        </p:txBody>
+      </p:sp>
+      <p:sp>
+        <p:nvSpPr>
+          <p:cNvPr id="46" name="矩形 45"/>
+          <p:cNvSpPr/>
+          <p:nvPr/>
+        </p:nvSpPr>
+        <p:spPr>
+          <a:xfrm>
+            <a:off x="4644008" y="2420888"/>
+            <a:ext cx="4248472" cy="792088"/>
+          </a:xfrm>
+          <a:prstGeom prst="rect">
+            <a:avLst/>
+          </a:prstGeom>
+          <a:solidFill>
+            <a:schemeClr val="accent3">
+              <a:lumMod val="20000"/>
+              <a:lumOff val="80000"/>
+            </a:schemeClr>
+          </a:solidFill>
+          <a:ln w="3175"/>
+        </p:spPr>
+        <p:style>
+          <a:lnRef idx="2">
+            <a:schemeClr val="accent1">
+              <a:shade val="50000"/>
+            </a:schemeClr>
+          </a:lnRef>
+          <a:fillRef idx="1">
+            <a:schemeClr val="accent1"/>
+          </a:fillRef>
+          <a:effectRef idx="0">
+            <a:schemeClr val="accent1"/>
+          </a:effectRef>
+          <a:fontRef idx="minor">
+            <a:schemeClr val="lt1"/>
+          </a:fontRef>
+        </p:style>
+        <p:txBody>
+          <a:bodyPr rtlCol="0" anchor="ctr"/>
+          <a:lstStyle/>
+          <a:p>
+            <a:r>
+              <a:rPr lang="en-US" altLang="zh-CN" sz="1000" dirty="0" err="1" smtClean="0">
+                <a:solidFill>
+                  <a:schemeClr val="tx1"/>
+                </a:solidFill>
+              </a:rPr>
+              <a:t>Skywalking</a:t>
+            </a:r>
+            <a:endParaRPr lang="en-US" altLang="zh-CN" sz="1000" dirty="0" smtClean="0">
+              <a:solidFill>
+                <a:schemeClr val="tx1"/>
+              </a:solidFill>
+            </a:endParaRPr>
+          </a:p>
+          <a:p>
+            <a:r>
+              <a:rPr lang="zh-CN" altLang="en-US" sz="1000" dirty="0" smtClean="0">
+                <a:solidFill>
+                  <a:schemeClr val="tx1"/>
+                </a:solidFill>
+              </a:rPr>
+              <a:t>链路跟踪</a:t>
+            </a:r>
+            <a:endParaRPr lang="en-US" altLang="zh-CN" sz="1000" dirty="0" smtClean="0">
+              <a:solidFill>
+                <a:schemeClr val="tx1"/>
+              </a:solidFill>
+            </a:endParaRPr>
+          </a:p>
+        </p:txBody>
+      </p:sp>
+      <p:sp>
+        <p:nvSpPr>
+          <p:cNvPr id="48" name="矩形 47"/>
+          <p:cNvSpPr/>
+          <p:nvPr/>
+        </p:nvSpPr>
+        <p:spPr>
+          <a:xfrm>
+            <a:off x="2339752" y="476672"/>
+            <a:ext cx="1512168" cy="576064"/>
+          </a:xfrm>
+          <a:prstGeom prst="rect">
+            <a:avLst/>
+          </a:prstGeom>
+          <a:solidFill>
+            <a:schemeClr val="tx2">
+              <a:lumMod val="60000"/>
+              <a:lumOff val="40000"/>
+            </a:schemeClr>
+          </a:solidFill>
+          <a:ln w="3175"/>
+        </p:spPr>
+        <p:style>
+          <a:lnRef idx="2">
+            <a:schemeClr val="accent1">
+              <a:shade val="50000"/>
+            </a:schemeClr>
+          </a:lnRef>
+          <a:fillRef idx="1">
+            <a:schemeClr val="accent1"/>
+          </a:fillRef>
+          <a:effectRef idx="0">
+            <a:schemeClr val="accent1"/>
+          </a:effectRef>
+          <a:fontRef idx="minor">
+            <a:schemeClr val="lt1"/>
+          </a:fontRef>
+        </p:style>
+        <p:txBody>
+          <a:bodyPr rtlCol="0" anchor="ctr"/>
+          <a:lstStyle/>
+          <a:p>
+            <a:pPr algn="ctr"/>
+            <a:r>
+              <a:rPr lang="en-US" altLang="zh-CN" sz="1000" dirty="0" smtClean="0">
+                <a:solidFill>
+                  <a:schemeClr val="bg1"/>
+                </a:solidFill>
+              </a:rPr>
+              <a:t>Gateway</a:t>
+            </a:r>
+          </a:p>
+          <a:p>
+            <a:pPr algn="ctr"/>
+            <a:r>
+              <a:rPr lang="zh-CN" altLang="en-US" sz="1000" dirty="0" smtClean="0">
+                <a:solidFill>
+                  <a:schemeClr val="bg1"/>
+                </a:solidFill>
+              </a:rPr>
+              <a:t>服</a:t>
+            </a:r>
+            <a:r>
+              <a:rPr lang="zh-CN" altLang="en-US" sz="1000" dirty="0" smtClean="0">
+                <a:solidFill>
+                  <a:schemeClr val="bg1"/>
+                </a:solidFill>
+              </a:rPr>
+              <a:t>务网关</a:t>
+            </a:r>
+            <a:endParaRPr lang="en-US" altLang="zh-CN" sz="1000" dirty="0" smtClean="0">
+              <a:solidFill>
+                <a:schemeClr val="bg1"/>
+              </a:solidFill>
+            </a:endParaRPr>
+          </a:p>
+        </p:txBody>
+      </p:sp>
+      <p:sp>
+        <p:nvSpPr>
+          <p:cNvPr id="20" name="矩形 19"/>
+          <p:cNvSpPr/>
+          <p:nvPr/>
+        </p:nvSpPr>
+        <p:spPr>
+          <a:xfrm>
+            <a:off x="7831410" y="2521471"/>
+            <a:ext cx="936104" cy="576064"/>
+          </a:xfrm>
+          <a:prstGeom prst="rect">
+            <a:avLst/>
+          </a:prstGeom>
+          <a:solidFill>
+            <a:schemeClr val="accent4">
+              <a:lumMod val="75000"/>
+            </a:schemeClr>
+          </a:solidFill>
+          <a:ln w="3175"/>
+        </p:spPr>
+        <p:style>
+          <a:lnRef idx="2">
+            <a:schemeClr val="accent1">
+              <a:shade val="50000"/>
+            </a:schemeClr>
+          </a:lnRef>
+          <a:fillRef idx="1">
+            <a:schemeClr val="accent1"/>
+          </a:fillRef>
+          <a:effectRef idx="0">
+            <a:schemeClr val="accent1"/>
+          </a:effectRef>
+          <a:fontRef idx="minor">
+            <a:schemeClr val="lt1"/>
+          </a:fontRef>
+        </p:style>
+        <p:txBody>
+          <a:bodyPr rtlCol="0" anchor="ctr"/>
+          <a:lstStyle/>
+          <a:p>
+            <a:pPr algn="ctr"/>
+            <a:r>
+              <a:rPr lang="en-US" altLang="zh-CN" sz="1000" dirty="0" err="1" smtClean="0">
+                <a:solidFill>
+                  <a:schemeClr val="bg1"/>
+                </a:solidFill>
+              </a:rPr>
+              <a:t>Elasticsearch</a:t>
+            </a:r>
+            <a:endParaRPr lang="en-US" altLang="zh-CN" sz="1000" dirty="0" smtClean="0">
+              <a:solidFill>
+                <a:schemeClr val="bg1"/>
+              </a:solidFill>
+            </a:endParaRPr>
+          </a:p>
+        </p:txBody>
+      </p:sp>
+      <p:sp>
+        <p:nvSpPr>
+          <p:cNvPr id="21" name="矩形 20"/>
+          <p:cNvSpPr/>
+          <p:nvPr/>
+        </p:nvSpPr>
+        <p:spPr>
+          <a:xfrm>
+            <a:off x="6660232" y="2521471"/>
+            <a:ext cx="1008112" cy="576064"/>
+          </a:xfrm>
+          <a:prstGeom prst="rect">
+            <a:avLst/>
+          </a:prstGeom>
+          <a:solidFill>
+            <a:schemeClr val="tx2">
+              <a:lumMod val="60000"/>
+              <a:lumOff val="40000"/>
+            </a:schemeClr>
+          </a:solidFill>
+          <a:ln w="3175"/>
+        </p:spPr>
+        <p:style>
+          <a:lnRef idx="2">
+            <a:schemeClr val="accent1">
+              <a:shade val="50000"/>
+            </a:schemeClr>
+          </a:lnRef>
+          <a:fillRef idx="1">
+            <a:schemeClr val="accent1"/>
+          </a:fillRef>
+          <a:effectRef idx="0">
+            <a:schemeClr val="accent1"/>
+          </a:effectRef>
+          <a:fontRef idx="minor">
+            <a:schemeClr val="lt1"/>
+          </a:fontRef>
+        </p:style>
+        <p:txBody>
+          <a:bodyPr rtlCol="0" anchor="ctr"/>
+          <a:lstStyle/>
+          <a:p>
+            <a:pPr algn="ctr"/>
+            <a:r>
+              <a:rPr lang="en-US" altLang="zh-CN" sz="1000" dirty="0" err="1" smtClean="0">
+                <a:solidFill>
+                  <a:schemeClr val="bg1"/>
+                </a:solidFill>
+              </a:rPr>
+              <a:t>skywalking-oap</a:t>
+            </a:r>
+            <a:endParaRPr lang="en-US" altLang="zh-CN" sz="1000" dirty="0" smtClean="0">
+              <a:solidFill>
+                <a:schemeClr val="bg1"/>
+              </a:solidFill>
+            </a:endParaRPr>
+          </a:p>
+        </p:txBody>
+      </p:sp>
+      <p:sp>
+        <p:nvSpPr>
+          <p:cNvPr id="22" name="矩形 21"/>
+          <p:cNvSpPr/>
+          <p:nvPr/>
+        </p:nvSpPr>
+        <p:spPr>
+          <a:xfrm>
+            <a:off x="5551537" y="2521471"/>
+            <a:ext cx="936104" cy="576064"/>
+          </a:xfrm>
+          <a:prstGeom prst="rect">
+            <a:avLst/>
+          </a:prstGeom>
+          <a:solidFill>
+            <a:schemeClr val="tx2">
+              <a:lumMod val="60000"/>
+              <a:lumOff val="40000"/>
+            </a:schemeClr>
+          </a:solidFill>
+          <a:ln w="3175"/>
+        </p:spPr>
+        <p:style>
+          <a:lnRef idx="2">
+            <a:schemeClr val="accent1">
+              <a:shade val="50000"/>
+            </a:schemeClr>
+          </a:lnRef>
+          <a:fillRef idx="1">
+            <a:schemeClr val="accent1"/>
+          </a:fillRef>
+          <a:effectRef idx="0">
+            <a:schemeClr val="accent1"/>
+          </a:effectRef>
+          <a:fontRef idx="minor">
+            <a:schemeClr val="lt1"/>
+          </a:fontRef>
+        </p:style>
+        <p:txBody>
+          <a:bodyPr rtlCol="0" anchor="ctr"/>
+          <a:lstStyle/>
+          <a:p>
+            <a:pPr algn="ctr"/>
+            <a:r>
+              <a:rPr lang="en-US" altLang="zh-CN" sz="1000" dirty="0" err="1" smtClean="0">
+                <a:solidFill>
+                  <a:schemeClr val="bg1"/>
+                </a:solidFill>
+              </a:rPr>
+              <a:t>skywalking-ui</a:t>
+            </a:r>
+            <a:endParaRPr lang="en-US" altLang="zh-CN" sz="1000" dirty="0" smtClean="0">
+              <a:solidFill>
+                <a:schemeClr val="bg1"/>
+              </a:solidFill>
+            </a:endParaRPr>
+          </a:p>
+        </p:txBody>
+      </p:sp>
+      <p:cxnSp>
+        <p:nvCxnSpPr>
+          <p:cNvPr id="33" name="直接箭头连接符 32"/>
+          <p:cNvCxnSpPr>
+            <a:stCxn id="21" idx="3"/>
+            <a:endCxn id="20" idx="1"/>
+          </p:cNvCxnSpPr>
+          <p:nvPr/>
+        </p:nvCxnSpPr>
+        <p:spPr>
+          <a:xfrm>
+            <a:off x="7668344" y="2809503"/>
+            <a:ext cx="163066" cy="0"/>
+          </a:xfrm>
+          <a:prstGeom prst="straightConnector1">
+            <a:avLst/>
+          </a:prstGeom>
+          <a:ln>
+            <a:tailEnd type="arrow"/>
+          </a:ln>
+        </p:spPr>
+        <p:style>
+          <a:lnRef idx="1">
+            <a:schemeClr val="accent1"/>
+          </a:lnRef>
+          <a:fillRef idx="0">
+            <a:schemeClr val="accent1"/>
+          </a:fillRef>
+          <a:effectRef idx="0">
+            <a:schemeClr val="accent1"/>
+          </a:effectRef>
+          <a:fontRef idx="minor">
+            <a:schemeClr val="tx1"/>
+          </a:fontRef>
+        </p:style>
+      </p:cxnSp>
+      <p:cxnSp>
+        <p:nvCxnSpPr>
+          <p:cNvPr id="35" name="直接箭头连接符 34"/>
+          <p:cNvCxnSpPr>
+            <a:stCxn id="22" idx="3"/>
+            <a:endCxn id="21" idx="1"/>
+          </p:cNvCxnSpPr>
+          <p:nvPr/>
+        </p:nvCxnSpPr>
+        <p:spPr>
+          <a:xfrm>
+            <a:off x="6487641" y="2809503"/>
+            <a:ext cx="172591" cy="0"/>
+          </a:xfrm>
+          <a:prstGeom prst="straightConnector1">
+            <a:avLst/>
+          </a:prstGeom>
+          <a:ln>
+            <a:tailEnd type="arrow"/>
+          </a:ln>
+        </p:spPr>
+        <p:style>
+          <a:lnRef idx="1">
+            <a:schemeClr val="accent1"/>
+          </a:lnRef>
+          <a:fillRef idx="0">
+            <a:schemeClr val="accent1"/>
+          </a:fillRef>
+          <a:effectRef idx="0">
+            <a:schemeClr val="accent1"/>
+          </a:effectRef>
+          <a:fontRef idx="minor">
+            <a:schemeClr val="tx1"/>
+          </a:fontRef>
+        </p:style>
+      </p:cxnSp>
+      <p:sp>
+        <p:nvSpPr>
+          <p:cNvPr id="45" name="矩形 44"/>
+          <p:cNvSpPr/>
+          <p:nvPr/>
+        </p:nvSpPr>
+        <p:spPr>
+          <a:xfrm>
+            <a:off x="7696919" y="4384154"/>
+            <a:ext cx="1080120" cy="576064"/>
+          </a:xfrm>
+          <a:prstGeom prst="rect">
+            <a:avLst/>
+          </a:prstGeom>
+          <a:solidFill>
+            <a:schemeClr val="accent4">
+              <a:lumMod val="75000"/>
+            </a:schemeClr>
+          </a:solidFill>
+          <a:ln w="3175"/>
+        </p:spPr>
+        <p:style>
+          <a:lnRef idx="2">
+            <a:schemeClr val="accent1">
+              <a:shade val="50000"/>
+            </a:schemeClr>
+          </a:lnRef>
+          <a:fillRef idx="1">
+            <a:schemeClr val="accent1"/>
+          </a:fillRef>
+          <a:effectRef idx="0">
+            <a:schemeClr val="accent1"/>
+          </a:effectRef>
+          <a:fontRef idx="minor">
+            <a:schemeClr val="lt1"/>
+          </a:fontRef>
+        </p:style>
+        <p:txBody>
+          <a:bodyPr rtlCol="0" anchor="ctr"/>
+          <a:lstStyle/>
+          <a:p>
+            <a:pPr algn="ctr"/>
+            <a:r>
+              <a:rPr lang="en-US" altLang="zh-CN" sz="1000" dirty="0" err="1" smtClean="0"/>
+              <a:t>Mysql</a:t>
+            </a:r>
+            <a:endParaRPr lang="en-US" altLang="zh-CN" sz="1000" dirty="0" smtClean="0"/>
+          </a:p>
+          <a:p>
+            <a:pPr algn="ctr"/>
+            <a:r>
+              <a:rPr lang="en-US" altLang="zh-CN" sz="1000" dirty="0" err="1" smtClean="0"/>
+              <a:t>ApolloConfigDB</a:t>
+            </a:r>
+            <a:endParaRPr lang="en-US" altLang="zh-CN" sz="1000" dirty="0" smtClean="0">
+              <a:solidFill>
+                <a:schemeClr val="bg1"/>
+              </a:solidFill>
+            </a:endParaRPr>
+          </a:p>
+        </p:txBody>
+      </p:sp>
+      <p:sp>
+        <p:nvSpPr>
+          <p:cNvPr id="63" name="矩形 62"/>
+          <p:cNvSpPr/>
+          <p:nvPr/>
+        </p:nvSpPr>
+        <p:spPr>
+          <a:xfrm>
+            <a:off x="6544791" y="4384154"/>
+            <a:ext cx="1008112" cy="576064"/>
+          </a:xfrm>
+          <a:prstGeom prst="rect">
+            <a:avLst/>
+          </a:prstGeom>
+          <a:solidFill>
+            <a:schemeClr val="accent4">
+              <a:lumMod val="75000"/>
+            </a:schemeClr>
+          </a:solidFill>
+          <a:ln w="3175"/>
+        </p:spPr>
+        <p:style>
+          <a:lnRef idx="2">
+            <a:schemeClr val="accent1">
+              <a:shade val="50000"/>
+            </a:schemeClr>
+          </a:lnRef>
+          <a:fillRef idx="1">
+            <a:schemeClr val="accent1"/>
+          </a:fillRef>
+          <a:effectRef idx="0">
+            <a:schemeClr val="accent1"/>
+          </a:effectRef>
+          <a:fontRef idx="minor">
+            <a:schemeClr val="lt1"/>
+          </a:fontRef>
+        </p:style>
+        <p:txBody>
+          <a:bodyPr rtlCol="0" anchor="ctr"/>
+          <a:lstStyle/>
+          <a:p>
+            <a:pPr algn="ctr"/>
+            <a:r>
+              <a:rPr lang="en-US" altLang="zh-CN" sz="1000" dirty="0" err="1" smtClean="0"/>
+              <a:t>Mysql</a:t>
+            </a:r>
+            <a:endParaRPr lang="en-US" altLang="zh-CN" sz="1000" dirty="0" smtClean="0"/>
+          </a:p>
+          <a:p>
+            <a:pPr algn="ctr"/>
+            <a:r>
+              <a:rPr lang="en-US" altLang="zh-CN" sz="1000" dirty="0" err="1" smtClean="0"/>
+              <a:t>ApolloPortalDB</a:t>
+            </a:r>
+            <a:endParaRPr lang="en-US" altLang="zh-CN" sz="1000" dirty="0" smtClean="0"/>
+          </a:p>
+        </p:txBody>
+      </p:sp>
+      <p:sp>
+        <p:nvSpPr>
+          <p:cNvPr id="74" name="矩形 73"/>
+          <p:cNvSpPr/>
+          <p:nvPr/>
+        </p:nvSpPr>
+        <p:spPr>
+          <a:xfrm>
+            <a:off x="4644008" y="3356992"/>
+            <a:ext cx="4248472" cy="792088"/>
+          </a:xfrm>
+          <a:prstGeom prst="rect">
+            <a:avLst/>
+          </a:prstGeom>
+          <a:solidFill>
+            <a:schemeClr val="accent3">
+              <a:lumMod val="20000"/>
+              <a:lumOff val="80000"/>
+            </a:schemeClr>
+          </a:solidFill>
+          <a:ln w="3175"/>
+        </p:spPr>
+        <p:style>
+          <a:lnRef idx="2">
+            <a:schemeClr val="accent1">
+              <a:shade val="50000"/>
+            </a:schemeClr>
+          </a:lnRef>
+          <a:fillRef idx="1">
+            <a:schemeClr val="accent1"/>
+          </a:fillRef>
+          <a:effectRef idx="0">
+            <a:schemeClr val="accent1"/>
+          </a:effectRef>
+          <a:fontRef idx="minor">
+            <a:schemeClr val="lt1"/>
+          </a:fontRef>
+        </p:style>
+        <p:txBody>
+          <a:bodyPr rtlCol="0" anchor="ctr"/>
+          <a:lstStyle/>
+          <a:p>
+            <a:r>
+              <a:rPr lang="en-US" altLang="zh-CN" sz="1000" dirty="0" smtClean="0">
+                <a:solidFill>
+                  <a:schemeClr val="tx1"/>
+                </a:solidFill>
+              </a:rPr>
+              <a:t>Apollo</a:t>
+            </a:r>
+          </a:p>
+          <a:p>
+            <a:r>
+              <a:rPr lang="zh-CN" altLang="en-US" sz="1000" dirty="0" smtClean="0">
+                <a:solidFill>
+                  <a:schemeClr val="tx1"/>
+                </a:solidFill>
+              </a:rPr>
+              <a:t>配</a:t>
+            </a:r>
+            <a:r>
+              <a:rPr lang="zh-CN" altLang="en-US" sz="1000" dirty="0" smtClean="0">
+                <a:solidFill>
+                  <a:schemeClr val="tx1"/>
+                </a:solidFill>
+              </a:rPr>
+              <a:t>置中心</a:t>
+            </a:r>
+            <a:endParaRPr lang="en-US" altLang="zh-CN" sz="1000" dirty="0" smtClean="0">
+              <a:solidFill>
+                <a:schemeClr val="tx1"/>
+              </a:solidFill>
+            </a:endParaRPr>
+          </a:p>
+        </p:txBody>
+      </p:sp>
+      <p:sp>
+        <p:nvSpPr>
+          <p:cNvPr id="75" name="矩形 74"/>
+          <p:cNvSpPr/>
+          <p:nvPr/>
+        </p:nvSpPr>
+        <p:spPr>
+          <a:xfrm>
+            <a:off x="7831410" y="3457575"/>
+            <a:ext cx="936104" cy="576064"/>
+          </a:xfrm>
+          <a:prstGeom prst="rect">
+            <a:avLst/>
+          </a:prstGeom>
+          <a:solidFill>
+            <a:schemeClr val="tx2">
+              <a:lumMod val="60000"/>
+              <a:lumOff val="40000"/>
+            </a:schemeClr>
+          </a:solidFill>
+          <a:ln w="3175"/>
+        </p:spPr>
+        <p:style>
+          <a:lnRef idx="2">
+            <a:schemeClr val="accent1">
+              <a:shade val="50000"/>
+            </a:schemeClr>
+          </a:lnRef>
+          <a:fillRef idx="1">
+            <a:schemeClr val="accent1"/>
+          </a:fillRef>
+          <a:effectRef idx="0">
+            <a:schemeClr val="accent1"/>
+          </a:effectRef>
+          <a:fontRef idx="minor">
+            <a:schemeClr val="lt1"/>
+          </a:fontRef>
+        </p:style>
+        <p:txBody>
+          <a:bodyPr rtlCol="0" anchor="ctr"/>
+          <a:lstStyle/>
+          <a:p>
+            <a:pPr algn="ctr"/>
+            <a:r>
+              <a:rPr lang="en-US" altLang="zh-CN" sz="1000" dirty="0" smtClean="0"/>
+              <a:t>Apollo</a:t>
+            </a:r>
+          </a:p>
+          <a:p>
+            <a:pPr algn="ctr"/>
+            <a:r>
+              <a:rPr lang="en-US" altLang="zh-CN" sz="1000" dirty="0" err="1" smtClean="0"/>
+              <a:t>Config</a:t>
+            </a:r>
+            <a:r>
+              <a:rPr lang="en-US" altLang="zh-CN" sz="1000" dirty="0" smtClean="0"/>
+              <a:t> </a:t>
+            </a:r>
+            <a:r>
+              <a:rPr lang="en-US" altLang="zh-CN" sz="1000" dirty="0" smtClean="0"/>
+              <a:t>Service</a:t>
+            </a:r>
+            <a:endParaRPr lang="en-US" altLang="zh-CN" sz="1000" dirty="0" smtClean="0"/>
+          </a:p>
+        </p:txBody>
+      </p:sp>
+      <p:sp>
+        <p:nvSpPr>
+          <p:cNvPr id="76" name="矩形 75"/>
+          <p:cNvSpPr/>
+          <p:nvPr/>
+        </p:nvSpPr>
+        <p:spPr>
+          <a:xfrm>
+            <a:off x="6660232" y="3457575"/>
+            <a:ext cx="1008112" cy="576064"/>
+          </a:xfrm>
+          <a:prstGeom prst="rect">
+            <a:avLst/>
+          </a:prstGeom>
+          <a:solidFill>
+            <a:schemeClr val="tx2">
+              <a:lumMod val="60000"/>
+              <a:lumOff val="40000"/>
+            </a:schemeClr>
+          </a:solidFill>
+          <a:ln w="3175"/>
+        </p:spPr>
+        <p:style>
+          <a:lnRef idx="2">
+            <a:schemeClr val="accent1">
+              <a:shade val="50000"/>
+            </a:schemeClr>
+          </a:lnRef>
+          <a:fillRef idx="1">
+            <a:schemeClr val="accent1"/>
+          </a:fillRef>
+          <a:effectRef idx="0">
+            <a:schemeClr val="accent1"/>
+          </a:effectRef>
+          <a:fontRef idx="minor">
+            <a:schemeClr val="lt1"/>
+          </a:fontRef>
+        </p:style>
+        <p:txBody>
+          <a:bodyPr rtlCol="0" anchor="ctr"/>
+          <a:lstStyle/>
+          <a:p>
+            <a:pPr algn="ctr"/>
+            <a:r>
+              <a:rPr lang="en-US" altLang="zh-CN" sz="1000" dirty="0" smtClean="0"/>
+              <a:t>Apollo</a:t>
+            </a:r>
+          </a:p>
+          <a:p>
+            <a:pPr algn="ctr"/>
+            <a:r>
+              <a:rPr lang="en-US" altLang="zh-CN" sz="1000" dirty="0" smtClean="0"/>
+              <a:t>Admin </a:t>
+            </a:r>
+            <a:r>
+              <a:rPr lang="en-US" altLang="zh-CN" sz="1000" dirty="0" smtClean="0"/>
+              <a:t>Service</a:t>
+            </a:r>
+            <a:endParaRPr lang="en-US" altLang="zh-CN" sz="1000" dirty="0" smtClean="0"/>
+          </a:p>
+        </p:txBody>
+      </p:sp>
+      <p:sp>
+        <p:nvSpPr>
+          <p:cNvPr id="77" name="矩形 76"/>
+          <p:cNvSpPr/>
+          <p:nvPr/>
+        </p:nvSpPr>
+        <p:spPr>
+          <a:xfrm>
+            <a:off x="5551537" y="3457575"/>
+            <a:ext cx="936104" cy="576064"/>
+          </a:xfrm>
+          <a:prstGeom prst="rect">
+            <a:avLst/>
+          </a:prstGeom>
+          <a:solidFill>
+            <a:schemeClr val="tx2">
+              <a:lumMod val="60000"/>
+              <a:lumOff val="40000"/>
+            </a:schemeClr>
+          </a:solidFill>
+          <a:ln w="3175"/>
+        </p:spPr>
+        <p:style>
+          <a:lnRef idx="2">
+            <a:schemeClr val="accent1">
+              <a:shade val="50000"/>
+            </a:schemeClr>
+          </a:lnRef>
+          <a:fillRef idx="1">
+            <a:schemeClr val="accent1"/>
+          </a:fillRef>
+          <a:effectRef idx="0">
+            <a:schemeClr val="accent1"/>
+          </a:effectRef>
+          <a:fontRef idx="minor">
+            <a:schemeClr val="lt1"/>
+          </a:fontRef>
+        </p:style>
+        <p:txBody>
+          <a:bodyPr rtlCol="0" anchor="ctr"/>
+          <a:lstStyle/>
+          <a:p>
+            <a:pPr algn="ctr"/>
+            <a:r>
+              <a:rPr lang="en-US" altLang="zh-CN" sz="1000" dirty="0" smtClean="0"/>
+              <a:t>Apollo</a:t>
+            </a:r>
+          </a:p>
+          <a:p>
+            <a:pPr algn="ctr"/>
+            <a:r>
+              <a:rPr lang="en-US" altLang="zh-CN" sz="1000" dirty="0" smtClean="0"/>
+              <a:t>Portal</a:t>
+            </a:r>
+          </a:p>
+        </p:txBody>
+      </p:sp>
+      <p:cxnSp>
+        <p:nvCxnSpPr>
+          <p:cNvPr id="79" name="直接箭头连接符 78"/>
+          <p:cNvCxnSpPr>
+            <a:stCxn id="76" idx="3"/>
+            <a:endCxn id="75" idx="1"/>
+          </p:cNvCxnSpPr>
+          <p:nvPr/>
+        </p:nvCxnSpPr>
+        <p:spPr>
+          <a:xfrm>
+            <a:off x="7668344" y="3745607"/>
+            <a:ext cx="163066" cy="0"/>
+          </a:xfrm>
+          <a:prstGeom prst="straightConnector1">
+            <a:avLst/>
+          </a:prstGeom>
+          <a:ln>
+            <a:tailEnd type="arrow"/>
+          </a:ln>
+        </p:spPr>
+        <p:style>
+          <a:lnRef idx="1">
+            <a:schemeClr val="accent1"/>
+          </a:lnRef>
+          <a:fillRef idx="0">
+            <a:schemeClr val="accent1"/>
+          </a:fillRef>
+          <a:effectRef idx="0">
+            <a:schemeClr val="accent1"/>
+          </a:effectRef>
+          <a:fontRef idx="minor">
+            <a:schemeClr val="tx1"/>
+          </a:fontRef>
+        </p:style>
+      </p:cxnSp>
+      <p:cxnSp>
+        <p:nvCxnSpPr>
+          <p:cNvPr id="80" name="直接箭头连接符 79"/>
+          <p:cNvCxnSpPr>
+            <a:stCxn id="77" idx="3"/>
+            <a:endCxn id="76" idx="1"/>
+          </p:cNvCxnSpPr>
+          <p:nvPr/>
+        </p:nvCxnSpPr>
+        <p:spPr>
+          <a:xfrm>
+            <a:off x="6487641" y="3745607"/>
+            <a:ext cx="172591" cy="0"/>
+          </a:xfrm>
+          <a:prstGeom prst="straightConnector1">
+            <a:avLst/>
+          </a:prstGeom>
+          <a:ln>
+            <a:tailEnd type="arrow"/>
+          </a:ln>
+        </p:spPr>
+        <p:style>
+          <a:lnRef idx="1">
+            <a:schemeClr val="accent1"/>
+          </a:lnRef>
+          <a:fillRef idx="0">
+            <a:schemeClr val="accent1"/>
+          </a:fillRef>
+          <a:effectRef idx="0">
+            <a:schemeClr val="accent1"/>
+          </a:effectRef>
+          <a:fontRef idx="minor">
+            <a:schemeClr val="tx1"/>
+          </a:fontRef>
+        </p:style>
+      </p:cxnSp>
+      <p:cxnSp>
+        <p:nvCxnSpPr>
+          <p:cNvPr id="86" name="直接箭头连接符 85"/>
+          <p:cNvCxnSpPr>
+            <a:stCxn id="76" idx="2"/>
+            <a:endCxn id="63" idx="0"/>
+          </p:cNvCxnSpPr>
+          <p:nvPr/>
+        </p:nvCxnSpPr>
+        <p:spPr>
+          <a:xfrm flipH="1">
+            <a:off x="7048847" y="4033639"/>
+            <a:ext cx="115441" cy="350515"/>
+          </a:xfrm>
+          <a:prstGeom prst="straightConnector1">
+            <a:avLst/>
+          </a:prstGeom>
+          <a:ln>
+            <a:tailEnd type="arrow"/>
+          </a:ln>
+        </p:spPr>
+        <p:style>
+          <a:lnRef idx="1">
+            <a:schemeClr val="accent1"/>
+          </a:lnRef>
+          <a:fillRef idx="0">
+            <a:schemeClr val="accent1"/>
+          </a:fillRef>
+          <a:effectRef idx="0">
+            <a:schemeClr val="accent1"/>
+          </a:effectRef>
+          <a:fontRef idx="minor">
+            <a:schemeClr val="tx1"/>
+          </a:fontRef>
+        </p:style>
+      </p:cxnSp>
+      <p:cxnSp>
+        <p:nvCxnSpPr>
+          <p:cNvPr id="105" name="直接箭头连接符 104"/>
+          <p:cNvCxnSpPr>
+            <a:stCxn id="76" idx="2"/>
+            <a:endCxn id="45" idx="0"/>
+          </p:cNvCxnSpPr>
+          <p:nvPr/>
+        </p:nvCxnSpPr>
+        <p:spPr>
+          <a:xfrm>
+            <a:off x="7164288" y="4033639"/>
+            <a:ext cx="1072691" cy="350515"/>
+          </a:xfrm>
+          <a:prstGeom prst="straightConnector1">
+            <a:avLst/>
+          </a:prstGeom>
+          <a:ln>
+            <a:tailEnd type="arrow"/>
+          </a:ln>
+        </p:spPr>
+        <p:style>
+          <a:lnRef idx="1">
+            <a:schemeClr val="accent1"/>
+          </a:lnRef>
+          <a:fillRef idx="0">
+            <a:schemeClr val="accent1"/>
+          </a:fillRef>
+          <a:effectRef idx="0">
+            <a:schemeClr val="accent1"/>
+          </a:effectRef>
+          <a:fontRef idx="minor">
+            <a:schemeClr val="tx1"/>
+          </a:fontRef>
+        </p:style>
+      </p:cxnSp>
+      <p:cxnSp>
+        <p:nvCxnSpPr>
+          <p:cNvPr id="107" name="直接箭头连接符 106"/>
+          <p:cNvCxnSpPr>
+            <a:stCxn id="75" idx="2"/>
+            <a:endCxn id="45" idx="0"/>
+          </p:cNvCxnSpPr>
+          <p:nvPr/>
+        </p:nvCxnSpPr>
+        <p:spPr>
+          <a:xfrm flipH="1">
+            <a:off x="8236979" y="4033639"/>
+            <a:ext cx="62483" cy="350515"/>
+          </a:xfrm>
+          <a:prstGeom prst="straightConnector1">
+            <a:avLst/>
+          </a:prstGeom>
+          <a:ln>
+            <a:tailEnd type="arrow"/>
+          </a:ln>
+        </p:spPr>
+        <p:style>
+          <a:lnRef idx="1">
+            <a:schemeClr val="accent1"/>
+          </a:lnRef>
+          <a:fillRef idx="0">
+            <a:schemeClr val="accent1"/>
+          </a:fillRef>
+          <a:effectRef idx="0">
+            <a:schemeClr val="accent1"/>
+          </a:effectRef>
+          <a:fontRef idx="minor">
+            <a:schemeClr val="tx1"/>
+          </a:fontRef>
+        </p:style>
+      </p:cxnSp>
+      <p:sp>
+        <p:nvSpPr>
+          <p:cNvPr id="108" name="矩形 107"/>
+          <p:cNvSpPr/>
+          <p:nvPr/>
+        </p:nvSpPr>
+        <p:spPr>
+          <a:xfrm>
+            <a:off x="179512" y="1484784"/>
+            <a:ext cx="1512168" cy="576064"/>
+          </a:xfrm>
+          <a:prstGeom prst="rect">
+            <a:avLst/>
+          </a:prstGeom>
+          <a:solidFill>
+            <a:schemeClr val="tx2">
+              <a:lumMod val="60000"/>
+              <a:lumOff val="40000"/>
+            </a:schemeClr>
+          </a:solidFill>
+          <a:ln w="3175"/>
+        </p:spPr>
+        <p:style>
+          <a:lnRef idx="2">
+            <a:schemeClr val="accent1">
+              <a:shade val="50000"/>
+            </a:schemeClr>
+          </a:lnRef>
+          <a:fillRef idx="1">
+            <a:schemeClr val="accent1"/>
+          </a:fillRef>
+          <a:effectRef idx="0">
+            <a:schemeClr val="accent1"/>
+          </a:effectRef>
+          <a:fontRef idx="minor">
+            <a:schemeClr val="lt1"/>
+          </a:fontRef>
+        </p:style>
+        <p:txBody>
+          <a:bodyPr rtlCol="0" anchor="ctr"/>
+          <a:lstStyle/>
+          <a:p>
+            <a:pPr algn="ctr"/>
+            <a:r>
+              <a:rPr lang="en-US" altLang="zh-CN" sz="1000" dirty="0" smtClean="0">
+                <a:solidFill>
+                  <a:schemeClr val="bg1"/>
+                </a:solidFill>
+              </a:rPr>
+              <a:t>Eureka</a:t>
+            </a:r>
+          </a:p>
+          <a:p>
+            <a:pPr algn="ctr"/>
+            <a:r>
+              <a:rPr lang="zh-CN" altLang="en-US" sz="1000" dirty="0" smtClean="0">
+                <a:solidFill>
+                  <a:schemeClr val="bg1"/>
+                </a:solidFill>
+              </a:rPr>
+              <a:t>服</a:t>
+            </a:r>
+            <a:r>
+              <a:rPr lang="zh-CN" altLang="en-US" sz="1000" dirty="0" smtClean="0">
+                <a:solidFill>
+                  <a:schemeClr val="bg1"/>
+                </a:solidFill>
+              </a:rPr>
+              <a:t>务注册中心</a:t>
+            </a:r>
+            <a:endParaRPr lang="en-US" altLang="zh-CN" sz="1000" dirty="0" smtClean="0">
+              <a:solidFill>
+                <a:schemeClr val="bg1"/>
+              </a:solidFill>
+            </a:endParaRPr>
+          </a:p>
+        </p:txBody>
+      </p:sp>
+      <p:sp>
+        <p:nvSpPr>
+          <p:cNvPr id="109" name="矩形 108"/>
+          <p:cNvSpPr/>
+          <p:nvPr/>
+        </p:nvSpPr>
+        <p:spPr>
+          <a:xfrm>
+            <a:off x="4644008" y="1556792"/>
+            <a:ext cx="4248472" cy="720080"/>
+          </a:xfrm>
+          <a:prstGeom prst="rect">
+            <a:avLst/>
+          </a:prstGeom>
+          <a:solidFill>
+            <a:schemeClr val="accent3">
+              <a:lumMod val="75000"/>
+            </a:schemeClr>
+          </a:solidFill>
+          <a:ln w="3175"/>
+        </p:spPr>
+        <p:style>
+          <a:lnRef idx="2">
+            <a:schemeClr val="accent1">
+              <a:shade val="50000"/>
+            </a:schemeClr>
+          </a:lnRef>
+          <a:fillRef idx="1">
+            <a:schemeClr val="accent1"/>
+          </a:fillRef>
+          <a:effectRef idx="0">
+            <a:schemeClr val="accent1"/>
+          </a:effectRef>
+          <a:fontRef idx="minor">
+            <a:schemeClr val="lt1"/>
+          </a:fontRef>
+        </p:style>
+        <p:txBody>
+          <a:bodyPr rtlCol="0" anchor="ctr"/>
+          <a:lstStyle/>
+          <a:p>
+            <a:pPr algn="ctr"/>
+            <a:r>
+              <a:rPr lang="en-US" altLang="zh-CN" sz="1000" dirty="0" err="1" smtClean="0">
+                <a:solidFill>
+                  <a:schemeClr val="bg1"/>
+                </a:solidFill>
+              </a:rPr>
+              <a:t>Springboot</a:t>
+            </a:r>
+            <a:r>
+              <a:rPr lang="en-US" altLang="zh-CN" sz="1000" dirty="0" smtClean="0">
+                <a:solidFill>
+                  <a:schemeClr val="bg1"/>
+                </a:solidFill>
+              </a:rPr>
+              <a:t> Admin</a:t>
+            </a:r>
+          </a:p>
+          <a:p>
+            <a:pPr algn="ctr"/>
+            <a:r>
+              <a:rPr lang="zh-CN" altLang="en-US" sz="1000" dirty="0" smtClean="0">
+                <a:solidFill>
+                  <a:schemeClr val="bg1"/>
+                </a:solidFill>
+              </a:rPr>
+              <a:t>服</a:t>
+            </a:r>
+            <a:r>
+              <a:rPr lang="zh-CN" altLang="en-US" sz="1000" dirty="0" smtClean="0">
+                <a:solidFill>
+                  <a:schemeClr val="bg1"/>
+                </a:solidFill>
+              </a:rPr>
+              <a:t>务监控</a:t>
+            </a:r>
+            <a:endParaRPr lang="en-US" altLang="zh-CN" sz="1000" dirty="0" smtClean="0">
+              <a:solidFill>
+                <a:schemeClr val="bg1"/>
+              </a:solidFill>
+            </a:endParaRPr>
+          </a:p>
+        </p:txBody>
+      </p:sp>
+      <p:sp>
+        <p:nvSpPr>
+          <p:cNvPr id="110" name="矩形 109"/>
+          <p:cNvSpPr/>
+          <p:nvPr/>
+        </p:nvSpPr>
+        <p:spPr>
+          <a:xfrm>
+            <a:off x="2339752" y="1484784"/>
+            <a:ext cx="1512168" cy="576064"/>
+          </a:xfrm>
+          <a:prstGeom prst="rect">
+            <a:avLst/>
+          </a:prstGeom>
+          <a:solidFill>
+            <a:schemeClr val="tx2">
+              <a:lumMod val="60000"/>
+              <a:lumOff val="40000"/>
+            </a:schemeClr>
+          </a:solidFill>
+          <a:ln w="3175"/>
+        </p:spPr>
+        <p:style>
+          <a:lnRef idx="2">
+            <a:schemeClr val="accent1">
+              <a:shade val="50000"/>
+            </a:schemeClr>
+          </a:lnRef>
+          <a:fillRef idx="1">
+            <a:schemeClr val="accent1"/>
+          </a:fillRef>
+          <a:effectRef idx="0">
+            <a:schemeClr val="accent1"/>
+          </a:effectRef>
+          <a:fontRef idx="minor">
+            <a:schemeClr val="lt1"/>
+          </a:fontRef>
+        </p:style>
+        <p:txBody>
+          <a:bodyPr rtlCol="0" anchor="ctr"/>
+          <a:lstStyle/>
+          <a:p>
+            <a:pPr algn="ctr"/>
+            <a:r>
+              <a:rPr lang="en-US" altLang="zh-CN" sz="1000" dirty="0" err="1" smtClean="0">
+                <a:solidFill>
+                  <a:schemeClr val="bg1"/>
+                </a:solidFill>
+              </a:rPr>
+              <a:t>frontweb</a:t>
+            </a:r>
+            <a:endParaRPr lang="en-US" altLang="zh-CN" sz="1000" dirty="0" smtClean="0">
+              <a:solidFill>
+                <a:schemeClr val="bg1"/>
+              </a:solidFill>
+            </a:endParaRPr>
+          </a:p>
+        </p:txBody>
+      </p:sp>
+      <p:sp>
+        <p:nvSpPr>
+          <p:cNvPr id="111" name="矩形 110"/>
+          <p:cNvSpPr/>
+          <p:nvPr/>
+        </p:nvSpPr>
+        <p:spPr>
+          <a:xfrm>
+            <a:off x="2339752" y="2492896"/>
+            <a:ext cx="1512168" cy="576064"/>
+          </a:xfrm>
+          <a:prstGeom prst="rect">
+            <a:avLst/>
+          </a:prstGeom>
+          <a:solidFill>
+            <a:schemeClr val="tx2">
+              <a:lumMod val="60000"/>
+              <a:lumOff val="40000"/>
+            </a:schemeClr>
+          </a:solidFill>
+          <a:ln w="3175"/>
+        </p:spPr>
+        <p:style>
+          <a:lnRef idx="2">
+            <a:schemeClr val="accent1">
+              <a:shade val="50000"/>
+            </a:schemeClr>
+          </a:lnRef>
+          <a:fillRef idx="1">
+            <a:schemeClr val="accent1"/>
+          </a:fillRef>
+          <a:effectRef idx="0">
+            <a:schemeClr val="accent1"/>
+          </a:effectRef>
+          <a:fontRef idx="minor">
+            <a:schemeClr val="lt1"/>
+          </a:fontRef>
+        </p:style>
+        <p:txBody>
+          <a:bodyPr rtlCol="0" anchor="ctr"/>
+          <a:lstStyle/>
+          <a:p>
+            <a:pPr algn="ctr"/>
+            <a:r>
+              <a:rPr lang="en-US" altLang="zh-CN" sz="1000" dirty="0" err="1" smtClean="0">
+                <a:solidFill>
+                  <a:schemeClr val="bg1"/>
+                </a:solidFill>
+              </a:rPr>
+              <a:t>userservice</a:t>
+            </a:r>
+            <a:endParaRPr lang="en-US" altLang="zh-CN" sz="1000" dirty="0" smtClean="0">
+              <a:solidFill>
+                <a:schemeClr val="bg1"/>
+              </a:solidFill>
+            </a:endParaRPr>
+          </a:p>
+        </p:txBody>
+      </p:sp>
+      <p:cxnSp>
+        <p:nvCxnSpPr>
+          <p:cNvPr id="113" name="直接箭头连接符 112"/>
+          <p:cNvCxnSpPr>
+            <a:stCxn id="48" idx="2"/>
+            <a:endCxn id="110" idx="0"/>
+          </p:cNvCxnSpPr>
+          <p:nvPr/>
+        </p:nvCxnSpPr>
+        <p:spPr>
+          <a:xfrm>
+            <a:off x="3095836" y="1052736"/>
+            <a:ext cx="0" cy="432048"/>
+          </a:xfrm>
+          <a:prstGeom prst="straightConnector1">
+            <a:avLst/>
+          </a:prstGeom>
+          <a:ln>
+            <a:tailEnd type="arrow"/>
+          </a:ln>
+        </p:spPr>
+        <p:style>
+          <a:lnRef idx="1">
+            <a:schemeClr val="accent1"/>
+          </a:lnRef>
+          <a:fillRef idx="0">
+            <a:schemeClr val="accent1"/>
+          </a:fillRef>
+          <a:effectRef idx="0">
+            <a:schemeClr val="accent1"/>
+          </a:effectRef>
+          <a:fontRef idx="minor">
+            <a:schemeClr val="tx1"/>
+          </a:fontRef>
+        </p:style>
+      </p:cxnSp>
+      <p:cxnSp>
+        <p:nvCxnSpPr>
+          <p:cNvPr id="115" name="直接箭头连接符 114"/>
+          <p:cNvCxnSpPr>
+            <a:stCxn id="110" idx="2"/>
+            <a:endCxn id="111" idx="0"/>
+          </p:cNvCxnSpPr>
+          <p:nvPr/>
+        </p:nvCxnSpPr>
+        <p:spPr>
+          <a:xfrm>
+            <a:off x="3095836" y="2060848"/>
+            <a:ext cx="0" cy="432048"/>
           </a:xfrm>
           <a:prstGeom prst="straightConnector1">
             <a:avLst/>
